--- a/pptx_source/01-What-you-need.pptx
+++ b/pptx_source/01-What-you-need.pptx
@@ -273,7 +273,7 @@
               <a:pPr>
                 <a:defRPr/>
               </a:pPr>
-              <a:t>11/10/2019</a:t>
+              <a:t>11/11/2019</a:t>
             </a:fld>
             <a:endParaRPr lang="en-US" dirty="0"/>
           </a:p>
@@ -3373,7 +3373,7 @@
               </a14:hiddenLine>
             </a:ext>
             <a:ext uri="{FAA26D3D-D897-4be2-8F04-BA451C77F1D7}">
-              <ma14:placeholderFlag xmlns="" xmlns:ma14="http://schemas.microsoft.com/office/mac/drawingml/2011/main" val="1"/>
+              <ma14:placeholderFlag xmlns:ma14="http://schemas.microsoft.com/office/mac/drawingml/2011/main" xmlns="" val="1"/>
             </a:ext>
           </a:extLst>
         </p:spPr>
@@ -3983,7 +3983,7 @@
           <a:lstStyle/>
           <a:p>
             <a:r>
-              <a:rPr lang="en-US">
+              <a:rPr lang="en-US" dirty="0">
                 <a:solidFill>
                   <a:schemeClr val="tx1"/>
                 </a:solidFill>
@@ -3991,12 +3991,16 @@
               <a:t>Module 01:</a:t>
             </a:r>
             <a:r>
-              <a:rPr lang="en-US"/>
-              <a:t> </a:t>
-            </a:r>
-            <a:r>
-              <a:rPr lang="en-US" dirty="0"/>
-              <a:t>What you need to code in PhysiCell</a:t>
+              <a:rPr lang="en-US" dirty="0"/>
+              <a:t> What you need </a:t>
+            </a:r>
+            <a:r>
+              <a:rPr lang="en-US" dirty="0" smtClean="0"/>
+              <a:t>to </a:t>
+            </a:r>
+            <a:r>
+              <a:rPr lang="en-US" dirty="0"/>
+              <a:t>code in PhysiCell</a:t>
             </a:r>
           </a:p>
         </p:txBody>
@@ -4095,7 +4099,7 @@
           <p:cNvPr id="5" name="Graphic 4">
             <a:extLst>
               <a:ext uri="{FF2B5EF4-FFF2-40B4-BE49-F238E27FC236}">
-                <a16:creationId xmlns:a16="http://schemas.microsoft.com/office/drawing/2014/main" id="{734F3219-C3E5-4037-A29B-5892A640AF97}"/>
+                <a16:creationId xmlns:a16="http://schemas.microsoft.com/office/drawing/2014/main" xmlns="" id="{734F3219-C3E5-4037-A29B-5892A640AF97}"/>
               </a:ext>
             </a:extLst>
           </p:cNvPr>
@@ -4111,7 +4115,7 @@
                 <a14:useLocalDpi xmlns:a14="http://schemas.microsoft.com/office/drawing/2010/main" val="0"/>
               </a:ext>
               <a:ext uri="{96DAC541-7B7A-43D3-8B79-37D633B846F1}">
-                <asvg:svgBlip xmlns:asvg="http://schemas.microsoft.com/office/drawing/2016/SVG/main" r:embed="rId3"/>
+                <asvg:svgBlip xmlns:asvg="http://schemas.microsoft.com/office/drawing/2016/SVG/main" xmlns="" r:embed="rId3"/>
               </a:ext>
             </a:extLst>
           </a:blip>
@@ -4129,6 +4133,86 @@
           </a:prstGeom>
         </p:spPr>
       </p:pic>
+      <p:pic>
+        <p:nvPicPr>
+          <p:cNvPr id="6" name="Picture 5"/>
+          <p:cNvPicPr>
+            <a:picLocks noChangeAspect="1"/>
+          </p:cNvPicPr>
+          <p:nvPr/>
+        </p:nvPicPr>
+        <p:blipFill>
+          <a:blip r:embed="rId4">
+            <a:extLst>
+              <a:ext uri="{28A0092B-C50C-407E-A947-70E740481C1C}">
+                <a14:useLocalDpi xmlns:a14="http://schemas.microsoft.com/office/drawing/2010/main" val="0"/>
+              </a:ext>
+            </a:extLst>
+          </a:blip>
+          <a:stretch>
+            <a:fillRect/>
+          </a:stretch>
+        </p:blipFill>
+        <p:spPr>
+          <a:xfrm>
+            <a:off x="134695" y="3401400"/>
+            <a:ext cx="914400" cy="914400"/>
+          </a:xfrm>
+          <a:prstGeom prst="rect">
+            <a:avLst/>
+          </a:prstGeom>
+        </p:spPr>
+      </p:pic>
+      <p:sp>
+        <p:nvSpPr>
+          <p:cNvPr id="7" name="TextBox 6"/>
+          <p:cNvSpPr txBox="1"/>
+          <p:nvPr/>
+        </p:nvSpPr>
+        <p:spPr>
+          <a:xfrm>
+            <a:off x="134695" y="57090"/>
+            <a:ext cx="4437305" cy="400110"/>
+          </a:xfrm>
+          <a:prstGeom prst="rect">
+            <a:avLst/>
+          </a:prstGeom>
+          <a:noFill/>
+        </p:spPr>
+        <p:txBody>
+          <a:bodyPr wrap="none" lIns="0" tIns="0" rIns="0" bIns="0" rtlCol="0">
+            <a:spAutoFit/>
+          </a:bodyPr>
+          <a:lstStyle/>
+          <a:p>
+            <a:r>
+              <a:rPr lang="en-US" b="1" dirty="0" smtClean="0"/>
+              <a:t>Slides, videos, links and more:</a:t>
+            </a:r>
+          </a:p>
+          <a:p>
+            <a:r>
+              <a:rPr lang="en-US" dirty="0">
+                <a:hlinkClick r:id="rId5"/>
+              </a:rPr>
+              <a:t>https</a:t>
+            </a:r>
+            <a:r>
+              <a:rPr lang="en-US">
+                <a:hlinkClick r:id="rId5"/>
+              </a:rPr>
+              <a:t>://</a:t>
+            </a:r>
+            <a:r>
+              <a:rPr lang="en-US" smtClean="0">
+                <a:hlinkClick r:id="rId5"/>
+              </a:rPr>
+              <a:t>github.com/physicell-training/01-Welcome-to-training</a:t>
+            </a:r>
+            <a:endParaRPr lang="en-US" dirty="0" smtClean="0"/>
+          </a:p>
+        </p:txBody>
+      </p:sp>
     </p:spTree>
     <p:extLst>
       <p:ext uri="{BB962C8B-B14F-4D97-AF65-F5344CB8AC3E}">
@@ -4139,6 +4223,13 @@
   <p:clrMapOvr>
     <a:masterClrMapping/>
   </p:clrMapOvr>
+  <p:timing>
+    <p:tnLst>
+      <p:par>
+        <p:cTn id="1" dur="indefinite" restart="never" nodeType="tmRoot"/>
+      </p:par>
+    </p:tnLst>
+  </p:timing>
 </p:sld>
 </file>
 
@@ -4164,7 +4255,7 @@
           <p:cNvPr id="2" name="Title 1">
             <a:extLst>
               <a:ext uri="{FF2B5EF4-FFF2-40B4-BE49-F238E27FC236}">
-                <a16:creationId xmlns:a16="http://schemas.microsoft.com/office/drawing/2014/main" id="{281C6913-6593-49B3-8EAB-B8CBCEE98C50}"/>
+                <a16:creationId xmlns:a16="http://schemas.microsoft.com/office/drawing/2014/main" xmlns="" id="{281C6913-6593-49B3-8EAB-B8CBCEE98C50}"/>
               </a:ext>
             </a:extLst>
           </p:cNvPr>
@@ -4192,7 +4283,7 @@
           <p:cNvPr id="3" name="Content Placeholder 2">
             <a:extLst>
               <a:ext uri="{FF2B5EF4-FFF2-40B4-BE49-F238E27FC236}">
-                <a16:creationId xmlns:a16="http://schemas.microsoft.com/office/drawing/2014/main" id="{9EC321B9-1513-41AA-B8F0-BF42E5CDAF80}"/>
+                <a16:creationId xmlns:a16="http://schemas.microsoft.com/office/drawing/2014/main" xmlns="" id="{9EC321B9-1513-41AA-B8F0-BF42E5CDAF80}"/>
               </a:ext>
             </a:extLst>
           </p:cNvPr>
@@ -4241,6 +4332,13 @@
   <p:clrMapOvr>
     <a:masterClrMapping/>
   </p:clrMapOvr>
+  <p:timing>
+    <p:tnLst>
+      <p:par>
+        <p:cTn id="1" dur="indefinite" restart="never" nodeType="tmRoot"/>
+      </p:par>
+    </p:tnLst>
+  </p:timing>
 </p:sld>
 </file>
 
@@ -4266,7 +4364,7 @@
           <p:cNvPr id="2" name="Title 1">
             <a:extLst>
               <a:ext uri="{FF2B5EF4-FFF2-40B4-BE49-F238E27FC236}">
-                <a16:creationId xmlns:a16="http://schemas.microsoft.com/office/drawing/2014/main" id="{5C368F62-7335-4424-9F6B-4B7C1A0465DD}"/>
+                <a16:creationId xmlns:a16="http://schemas.microsoft.com/office/drawing/2014/main" xmlns="" id="{5C368F62-7335-4424-9F6B-4B7C1A0465DD}"/>
               </a:ext>
             </a:extLst>
           </p:cNvPr>
@@ -4294,7 +4392,7 @@
           <p:cNvPr id="3" name="Content Placeholder 2">
             <a:extLst>
               <a:ext uri="{FF2B5EF4-FFF2-40B4-BE49-F238E27FC236}">
-                <a16:creationId xmlns:a16="http://schemas.microsoft.com/office/drawing/2014/main" id="{675FD4E6-9C8E-4DBB-9737-AB799584CEF0}"/>
+                <a16:creationId xmlns:a16="http://schemas.microsoft.com/office/drawing/2014/main" xmlns="" id="{675FD4E6-9C8E-4DBB-9737-AB799584CEF0}"/>
               </a:ext>
             </a:extLst>
           </p:cNvPr>
@@ -4427,7 +4525,7 @@
           <p:cNvPr id="2" name="Title 1">
             <a:extLst>
               <a:ext uri="{FF2B5EF4-FFF2-40B4-BE49-F238E27FC236}">
-                <a16:creationId xmlns:a16="http://schemas.microsoft.com/office/drawing/2014/main" id="{A1608C01-04B7-4136-BC4F-AB3237C09422}"/>
+                <a16:creationId xmlns:a16="http://schemas.microsoft.com/office/drawing/2014/main" xmlns="" id="{A1608C01-04B7-4136-BC4F-AB3237C09422}"/>
               </a:ext>
             </a:extLst>
           </p:cNvPr>
@@ -4455,7 +4553,7 @@
           <p:cNvPr id="3" name="Content Placeholder 2">
             <a:extLst>
               <a:ext uri="{FF2B5EF4-FFF2-40B4-BE49-F238E27FC236}">
-                <a16:creationId xmlns:a16="http://schemas.microsoft.com/office/drawing/2014/main" id="{701145C8-A179-410D-A9BE-1570BDA04699}"/>
+                <a16:creationId xmlns:a16="http://schemas.microsoft.com/office/drawing/2014/main" xmlns="" id="{701145C8-A179-410D-A9BE-1570BDA04699}"/>
               </a:ext>
             </a:extLst>
           </p:cNvPr>
@@ -4703,7 +4801,7 @@
           <p:cNvPr id="2" name="Title 1">
             <a:extLst>
               <a:ext uri="{FF2B5EF4-FFF2-40B4-BE49-F238E27FC236}">
-                <a16:creationId xmlns:a16="http://schemas.microsoft.com/office/drawing/2014/main" id="{A1608C01-04B7-4136-BC4F-AB3237C09422}"/>
+                <a16:creationId xmlns:a16="http://schemas.microsoft.com/office/drawing/2014/main" xmlns="" id="{A1608C01-04B7-4136-BC4F-AB3237C09422}"/>
               </a:ext>
             </a:extLst>
           </p:cNvPr>
@@ -4731,7 +4829,7 @@
           <p:cNvPr id="3" name="Content Placeholder 2">
             <a:extLst>
               <a:ext uri="{FF2B5EF4-FFF2-40B4-BE49-F238E27FC236}">
-                <a16:creationId xmlns:a16="http://schemas.microsoft.com/office/drawing/2014/main" id="{701145C8-A179-410D-A9BE-1570BDA04699}"/>
+                <a16:creationId xmlns:a16="http://schemas.microsoft.com/office/drawing/2014/main" xmlns="" id="{701145C8-A179-410D-A9BE-1570BDA04699}"/>
               </a:ext>
             </a:extLst>
           </p:cNvPr>
@@ -4999,7 +5097,7 @@
           <p:cNvPr id="2" name="Title 1">
             <a:extLst>
               <a:ext uri="{FF2B5EF4-FFF2-40B4-BE49-F238E27FC236}">
-                <a16:creationId xmlns:a16="http://schemas.microsoft.com/office/drawing/2014/main" id="{02E934C3-2C9D-4D16-A50C-F324838A6D8A}"/>
+                <a16:creationId xmlns:a16="http://schemas.microsoft.com/office/drawing/2014/main" xmlns="" id="{02E934C3-2C9D-4D16-A50C-F324838A6D8A}"/>
               </a:ext>
             </a:extLst>
           </p:cNvPr>
@@ -5031,7 +5129,7 @@
           <p:cNvPr id="3" name="Content Placeholder 2">
             <a:extLst>
               <a:ext uri="{FF2B5EF4-FFF2-40B4-BE49-F238E27FC236}">
-                <a16:creationId xmlns:a16="http://schemas.microsoft.com/office/drawing/2014/main" id="{8EA896FF-4275-4A0D-907C-2930EBAB3952}"/>
+                <a16:creationId xmlns:a16="http://schemas.microsoft.com/office/drawing/2014/main" xmlns="" id="{8EA896FF-4275-4A0D-907C-2930EBAB3952}"/>
               </a:ext>
             </a:extLst>
           </p:cNvPr>
@@ -5206,7 +5304,7 @@
           <p:cNvPr id="13" name="Group 12">
             <a:extLst>
               <a:ext uri="{FF2B5EF4-FFF2-40B4-BE49-F238E27FC236}">
-                <a16:creationId xmlns:a16="http://schemas.microsoft.com/office/drawing/2014/main" id="{C9086E5C-0270-45C9-ACF6-AD0559D215EF}"/>
+                <a16:creationId xmlns:a16="http://schemas.microsoft.com/office/drawing/2014/main" xmlns="" id="{C9086E5C-0270-45C9-ACF6-AD0559D215EF}"/>
               </a:ext>
             </a:extLst>
           </p:cNvPr>
@@ -5226,7 +5324,7 @@
             <p:cNvPr id="10" name="TextBox 9">
               <a:extLst>
                 <a:ext uri="{FF2B5EF4-FFF2-40B4-BE49-F238E27FC236}">
-                  <a16:creationId xmlns:a16="http://schemas.microsoft.com/office/drawing/2014/main" id="{7C4F50DD-9F38-4541-B918-3232622F6EC6}"/>
+                  <a16:creationId xmlns:a16="http://schemas.microsoft.com/office/drawing/2014/main" xmlns="" id="{7C4F50DD-9F38-4541-B918-3232622F6EC6}"/>
                 </a:ext>
               </a:extLst>
             </p:cNvPr>
@@ -5261,7 +5359,7 @@
             <p:cNvPr id="12" name="Group 11">
               <a:extLst>
                 <a:ext uri="{FF2B5EF4-FFF2-40B4-BE49-F238E27FC236}">
-                  <a16:creationId xmlns:a16="http://schemas.microsoft.com/office/drawing/2014/main" id="{A50A5B62-8DF2-4261-A583-DE8203B23ADF}"/>
+                  <a16:creationId xmlns:a16="http://schemas.microsoft.com/office/drawing/2014/main" xmlns="" id="{A50A5B62-8DF2-4261-A583-DE8203B23ADF}"/>
                 </a:ext>
               </a:extLst>
             </p:cNvPr>
@@ -5281,7 +5379,7 @@
               <p:cNvPr id="5" name="Picture 4">
                 <a:extLst>
                   <a:ext uri="{FF2B5EF4-FFF2-40B4-BE49-F238E27FC236}">
-                    <a16:creationId xmlns:a16="http://schemas.microsoft.com/office/drawing/2014/main" id="{DD06138C-D44D-4ABC-BBDD-3ACC5B7B7086}"/>
+                    <a16:creationId xmlns:a16="http://schemas.microsoft.com/office/drawing/2014/main" xmlns="" id="{DD06138C-D44D-4ABC-BBDD-3ACC5B7B7086}"/>
                   </a:ext>
                 </a:extLst>
               </p:cNvPr>
@@ -5311,7 +5409,7 @@
               <p:cNvPr id="11" name="Rectangle: Rounded Corners 10">
                 <a:extLst>
                   <a:ext uri="{FF2B5EF4-FFF2-40B4-BE49-F238E27FC236}">
-                    <a16:creationId xmlns:a16="http://schemas.microsoft.com/office/drawing/2014/main" id="{B90FC17B-8A82-4CBC-A328-60F70264A9B4}"/>
+                    <a16:creationId xmlns:a16="http://schemas.microsoft.com/office/drawing/2014/main" xmlns="" id="{B90FC17B-8A82-4CBC-A328-60F70264A9B4}"/>
                   </a:ext>
                 </a:extLst>
               </p:cNvPr>
@@ -5365,7 +5463,7 @@
           <p:cNvPr id="17" name="Group 16">
             <a:extLst>
               <a:ext uri="{FF2B5EF4-FFF2-40B4-BE49-F238E27FC236}">
-                <a16:creationId xmlns:a16="http://schemas.microsoft.com/office/drawing/2014/main" id="{28ED6CDA-25A2-4DBF-8DF9-A288C79F0BCB}"/>
+                <a16:creationId xmlns:a16="http://schemas.microsoft.com/office/drawing/2014/main" xmlns="" id="{28ED6CDA-25A2-4DBF-8DF9-A288C79F0BCB}"/>
               </a:ext>
             </a:extLst>
           </p:cNvPr>
@@ -5385,7 +5483,7 @@
             <p:cNvPr id="8" name="TextBox 7">
               <a:extLst>
                 <a:ext uri="{FF2B5EF4-FFF2-40B4-BE49-F238E27FC236}">
-                  <a16:creationId xmlns:a16="http://schemas.microsoft.com/office/drawing/2014/main" id="{C04AED0E-A7B7-4557-AD1F-A19DDD2352B7}"/>
+                  <a16:creationId xmlns:a16="http://schemas.microsoft.com/office/drawing/2014/main" xmlns="" id="{C04AED0E-A7B7-4557-AD1F-A19DDD2352B7}"/>
                 </a:ext>
               </a:extLst>
             </p:cNvPr>
@@ -5420,7 +5518,7 @@
             <p:cNvPr id="16" name="Group 15">
               <a:extLst>
                 <a:ext uri="{FF2B5EF4-FFF2-40B4-BE49-F238E27FC236}">
-                  <a16:creationId xmlns:a16="http://schemas.microsoft.com/office/drawing/2014/main" id="{175DC1FD-3933-4CD7-855C-CF0214EE8914}"/>
+                  <a16:creationId xmlns:a16="http://schemas.microsoft.com/office/drawing/2014/main" xmlns="" id="{175DC1FD-3933-4CD7-855C-CF0214EE8914}"/>
                 </a:ext>
               </a:extLst>
             </p:cNvPr>
@@ -5440,7 +5538,7 @@
               <p:cNvPr id="6" name="Picture 5">
                 <a:extLst>
                   <a:ext uri="{FF2B5EF4-FFF2-40B4-BE49-F238E27FC236}">
-                    <a16:creationId xmlns:a16="http://schemas.microsoft.com/office/drawing/2014/main" id="{AED30853-4D46-4CAF-BBB7-B140B9E07128}"/>
+                    <a16:creationId xmlns:a16="http://schemas.microsoft.com/office/drawing/2014/main" xmlns="" id="{AED30853-4D46-4CAF-BBB7-B140B9E07128}"/>
                   </a:ext>
                 </a:extLst>
               </p:cNvPr>
@@ -5469,7 +5567,7 @@
               <p:cNvPr id="14" name="Rectangle: Rounded Corners 13">
                 <a:extLst>
                   <a:ext uri="{FF2B5EF4-FFF2-40B4-BE49-F238E27FC236}">
-                    <a16:creationId xmlns:a16="http://schemas.microsoft.com/office/drawing/2014/main" id="{704395A0-4D19-499E-985A-51D8A934F946}"/>
+                    <a16:creationId xmlns:a16="http://schemas.microsoft.com/office/drawing/2014/main" xmlns="" id="{704395A0-4D19-499E-985A-51D8A934F946}"/>
                   </a:ext>
                 </a:extLst>
               </p:cNvPr>
@@ -5523,7 +5621,7 @@
           <p:cNvPr id="19" name="Group 18">
             <a:extLst>
               <a:ext uri="{FF2B5EF4-FFF2-40B4-BE49-F238E27FC236}">
-                <a16:creationId xmlns:a16="http://schemas.microsoft.com/office/drawing/2014/main" id="{23C7CDF6-3C93-4293-837B-468C9D06DFB5}"/>
+                <a16:creationId xmlns:a16="http://schemas.microsoft.com/office/drawing/2014/main" xmlns="" id="{23C7CDF6-3C93-4293-837B-468C9D06DFB5}"/>
               </a:ext>
             </a:extLst>
           </p:cNvPr>
@@ -5543,7 +5641,7 @@
             <p:cNvPr id="18" name="Group 17">
               <a:extLst>
                 <a:ext uri="{FF2B5EF4-FFF2-40B4-BE49-F238E27FC236}">
-                  <a16:creationId xmlns:a16="http://schemas.microsoft.com/office/drawing/2014/main" id="{2DB8658D-945D-42A0-9C41-B84DBE50AE55}"/>
+                  <a16:creationId xmlns:a16="http://schemas.microsoft.com/office/drawing/2014/main" xmlns="" id="{2DB8658D-945D-42A0-9C41-B84DBE50AE55}"/>
                 </a:ext>
               </a:extLst>
             </p:cNvPr>
@@ -5563,7 +5661,7 @@
               <p:cNvPr id="7" name="Picture 6">
                 <a:extLst>
                   <a:ext uri="{FF2B5EF4-FFF2-40B4-BE49-F238E27FC236}">
-                    <a16:creationId xmlns:a16="http://schemas.microsoft.com/office/drawing/2014/main" id="{8A337EE1-5C03-4C13-AC31-455CF12AAB3D}"/>
+                    <a16:creationId xmlns:a16="http://schemas.microsoft.com/office/drawing/2014/main" xmlns="" id="{8A337EE1-5C03-4C13-AC31-455CF12AAB3D}"/>
                   </a:ext>
                 </a:extLst>
               </p:cNvPr>
@@ -5592,7 +5690,7 @@
               <p:cNvPr id="9" name="TextBox 8">
                 <a:extLst>
                   <a:ext uri="{FF2B5EF4-FFF2-40B4-BE49-F238E27FC236}">
-                    <a16:creationId xmlns:a16="http://schemas.microsoft.com/office/drawing/2014/main" id="{BCA3C98E-38FC-4963-A608-C6C5437082B0}"/>
+                    <a16:creationId xmlns:a16="http://schemas.microsoft.com/office/drawing/2014/main" xmlns="" id="{BCA3C98E-38FC-4963-A608-C6C5437082B0}"/>
                   </a:ext>
                 </a:extLst>
               </p:cNvPr>
@@ -5628,7 +5726,7 @@
             <p:cNvPr id="15" name="Rectangle: Rounded Corners 14">
               <a:extLst>
                 <a:ext uri="{FF2B5EF4-FFF2-40B4-BE49-F238E27FC236}">
-                  <a16:creationId xmlns:a16="http://schemas.microsoft.com/office/drawing/2014/main" id="{3B336B81-115C-44AB-ABF4-B3D44E686BB6}"/>
+                  <a16:creationId xmlns:a16="http://schemas.microsoft.com/office/drawing/2014/main" xmlns="" id="{3B336B81-115C-44AB-ABF4-B3D44E686BB6}"/>
                 </a:ext>
               </a:extLst>
             </p:cNvPr>
@@ -5711,7 +5809,7 @@
           <p:cNvPr id="6" name="Title 5">
             <a:extLst>
               <a:ext uri="{FF2B5EF4-FFF2-40B4-BE49-F238E27FC236}">
-                <a16:creationId xmlns:a16="http://schemas.microsoft.com/office/drawing/2014/main" id="{C2B99157-DA0D-4841-A580-62EFB758DA8C}"/>
+                <a16:creationId xmlns:a16="http://schemas.microsoft.com/office/drawing/2014/main" xmlns="" id="{C2B99157-DA0D-4841-A580-62EFB758DA8C}"/>
               </a:ext>
             </a:extLst>
           </p:cNvPr>
@@ -5739,7 +5837,7 @@
           <p:cNvPr id="7" name="Content Placeholder 6">
             <a:extLst>
               <a:ext uri="{FF2B5EF4-FFF2-40B4-BE49-F238E27FC236}">
-                <a16:creationId xmlns:a16="http://schemas.microsoft.com/office/drawing/2014/main" id="{B3307B35-8D84-4BA2-8128-A71EB12F30AE}"/>
+                <a16:creationId xmlns:a16="http://schemas.microsoft.com/office/drawing/2014/main" xmlns="" id="{B3307B35-8D84-4BA2-8128-A71EB12F30AE}"/>
               </a:ext>
             </a:extLst>
           </p:cNvPr>
@@ -5926,7 +6024,7 @@
           <p:cNvPr id="2" name="Title 1">
             <a:extLst>
               <a:ext uri="{FF2B5EF4-FFF2-40B4-BE49-F238E27FC236}">
-                <a16:creationId xmlns:a16="http://schemas.microsoft.com/office/drawing/2014/main" id="{E62D0150-243D-484C-B3C5-3BEC33D63729}"/>
+                <a16:creationId xmlns:a16="http://schemas.microsoft.com/office/drawing/2014/main" xmlns="" id="{E62D0150-243D-484C-B3C5-3BEC33D63729}"/>
               </a:ext>
             </a:extLst>
           </p:cNvPr>
@@ -5954,7 +6052,7 @@
           <p:cNvPr id="3" name="Content Placeholder 2">
             <a:extLst>
               <a:ext uri="{FF2B5EF4-FFF2-40B4-BE49-F238E27FC236}">
-                <a16:creationId xmlns:a16="http://schemas.microsoft.com/office/drawing/2014/main" id="{78ABF795-1A2F-4998-9877-A5DD4373521C}"/>
+                <a16:creationId xmlns:a16="http://schemas.microsoft.com/office/drawing/2014/main" xmlns="" id="{78ABF795-1A2F-4998-9877-A5DD4373521C}"/>
               </a:ext>
             </a:extLst>
           </p:cNvPr>
@@ -6199,7 +6297,7 @@
           <p:cNvPr id="4" name="Group 3">
             <a:extLst>
               <a:ext uri="{FF2B5EF4-FFF2-40B4-BE49-F238E27FC236}">
-                <a16:creationId xmlns:a16="http://schemas.microsoft.com/office/drawing/2014/main" id="{22174695-89D4-40D3-8FD9-E53B4CA5967B}"/>
+                <a16:creationId xmlns:a16="http://schemas.microsoft.com/office/drawing/2014/main" xmlns="" id="{22174695-89D4-40D3-8FD9-E53B4CA5967B}"/>
               </a:ext>
             </a:extLst>
           </p:cNvPr>
@@ -6219,7 +6317,7 @@
             <p:cNvPr id="5" name="Picture 4">
               <a:extLst>
                 <a:ext uri="{FF2B5EF4-FFF2-40B4-BE49-F238E27FC236}">
-                  <a16:creationId xmlns:a16="http://schemas.microsoft.com/office/drawing/2014/main" id="{A9CB15AE-9E04-4752-9F7A-E88C96D20BF7}"/>
+                  <a16:creationId xmlns:a16="http://schemas.microsoft.com/office/drawing/2014/main" xmlns="" id="{A9CB15AE-9E04-4752-9F7A-E88C96D20BF7}"/>
                 </a:ext>
               </a:extLst>
             </p:cNvPr>
@@ -6249,7 +6347,7 @@
             <p:cNvPr id="6" name="Picture 2" descr="https://sbtc.org/wp-content/uploads/2019/03/nci_case_logo_314056_284_5_v1-1200x600-1200x500.jpg">
               <a:extLst>
                 <a:ext uri="{FF2B5EF4-FFF2-40B4-BE49-F238E27FC236}">
-                  <a16:creationId xmlns:a16="http://schemas.microsoft.com/office/drawing/2014/main" id="{6F4A0FA6-7A66-4D0E-9B3D-0EEF8A0C563E}"/>
+                  <a16:creationId xmlns:a16="http://schemas.microsoft.com/office/drawing/2014/main" xmlns="" id="{6F4A0FA6-7A66-4D0E-9B3D-0EEF8A0C563E}"/>
                 </a:ext>
               </a:extLst>
             </p:cNvPr>
@@ -6294,7 +6392,7 @@
             <p:cNvPr id="7" name="Picture 4" descr="https://www.nsf.gov/images/logos/NSF_4-Color_bitmap_Logo.png">
               <a:extLst>
                 <a:ext uri="{FF2B5EF4-FFF2-40B4-BE49-F238E27FC236}">
-                  <a16:creationId xmlns:a16="http://schemas.microsoft.com/office/drawing/2014/main" id="{06FBA1A6-F77B-43D9-8E4D-307AF2C90044}"/>
+                  <a16:creationId xmlns:a16="http://schemas.microsoft.com/office/drawing/2014/main" xmlns="" id="{06FBA1A6-F77B-43D9-8E4D-307AF2C90044}"/>
                 </a:ext>
               </a:extLst>
             </p:cNvPr>
@@ -6341,7 +6439,7 @@
             <p:cNvPr id="8" name="Picture 2" descr="http://jktgfoundation.org/images/common/logo.jpg">
               <a:extLst>
                 <a:ext uri="{FF2B5EF4-FFF2-40B4-BE49-F238E27FC236}">
-                  <a16:creationId xmlns:a16="http://schemas.microsoft.com/office/drawing/2014/main" id="{17D8E991-8BCE-47B3-8B81-EBAD0454B8EA}"/>
+                  <a16:creationId xmlns:a16="http://schemas.microsoft.com/office/drawing/2014/main" xmlns="" id="{17D8E991-8BCE-47B3-8B81-EBAD0454B8EA}"/>
                 </a:ext>
               </a:extLst>
             </p:cNvPr>

--- a/pptx_source/01-What-you-need.pptx
+++ b/pptx_source/01-What-you-need.pptx
@@ -9,10 +9,10 @@
   </p:notesMasterIdLst>
   <p:sldIdLst>
     <p:sldId id="257" r:id="rId2"/>
-    <p:sldId id="258" r:id="rId3"/>
+    <p:sldId id="268" r:id="rId3"/>
     <p:sldId id="259" r:id="rId4"/>
     <p:sldId id="260" r:id="rId5"/>
-    <p:sldId id="261" r:id="rId6"/>
+    <p:sldId id="269" r:id="rId6"/>
     <p:sldId id="262" r:id="rId7"/>
     <p:sldId id="266" r:id="rId8"/>
     <p:sldId id="267" r:id="rId9"/>
@@ -4089,7 +4089,15 @@
             </a:r>
             <a:r>
               <a:rPr lang="en-US" sz="1800" dirty="0"/>
-              <a:t>: November 10, 2019</a:t>
+              <a:t>: November </a:t>
+            </a:r>
+            <a:r>
+              <a:rPr lang="en-US" sz="1800" dirty="0" smtClean="0"/>
+              <a:t>11, </a:t>
+            </a:r>
+            <a:r>
+              <a:rPr lang="en-US" sz="1800" dirty="0"/>
+              <a:t>2019</a:t>
             </a:r>
           </a:p>
         </p:txBody>
@@ -4133,16 +4141,60 @@
           </a:prstGeom>
         </p:spPr>
       </p:pic>
+      <p:sp>
+        <p:nvSpPr>
+          <p:cNvPr id="7" name="TextBox 6"/>
+          <p:cNvSpPr txBox="1"/>
+          <p:nvPr/>
+        </p:nvSpPr>
+        <p:spPr>
+          <a:xfrm>
+            <a:off x="134695" y="57090"/>
+            <a:ext cx="4437305" cy="400110"/>
+          </a:xfrm>
+          <a:prstGeom prst="rect">
+            <a:avLst/>
+          </a:prstGeom>
+          <a:noFill/>
+        </p:spPr>
+        <p:txBody>
+          <a:bodyPr wrap="none" lIns="0" tIns="0" rIns="0" bIns="0" rtlCol="0">
+            <a:spAutoFit/>
+          </a:bodyPr>
+          <a:lstStyle/>
+          <a:p>
+            <a:r>
+              <a:rPr lang="en-US" b="1" dirty="0" smtClean="0"/>
+              <a:t>Slides, videos, links and more:</a:t>
+            </a:r>
+          </a:p>
+          <a:p>
+            <a:r>
+              <a:rPr lang="en-US" dirty="0">
+                <a:hlinkClick r:id="rId4"/>
+              </a:rPr>
+              <a:t>https://</a:t>
+            </a:r>
+            <a:r>
+              <a:rPr lang="en-US" dirty="0" smtClean="0">
+                <a:hlinkClick r:id="rId4"/>
+              </a:rPr>
+              <a:t>github.com/physicell-training/01-Welcome-to-training</a:t>
+            </a:r>
+            <a:endParaRPr lang="en-US" dirty="0" smtClean="0"/>
+          </a:p>
+        </p:txBody>
+      </p:sp>
       <p:pic>
         <p:nvPicPr>
-          <p:cNvPr id="6" name="Picture 5"/>
+          <p:cNvPr id="8" name="Picture 7"/>
           <p:cNvPicPr>
             <a:picLocks noChangeAspect="1"/>
           </p:cNvPicPr>
           <p:nvPr/>
         </p:nvPicPr>
         <p:blipFill>
-          <a:blip r:embed="rId4">
+          <a:blip r:embed="rId5">
             <a:extLst>
               <a:ext uri="{28A0092B-C50C-407E-A947-70E740481C1C}">
                 <a14:useLocalDpi xmlns:a14="http://schemas.microsoft.com/office/drawing/2010/main" val="0"/>
@@ -4155,7 +4207,7 @@
         </p:blipFill>
         <p:spPr>
           <a:xfrm>
-            <a:off x="134695" y="3401400"/>
+            <a:off x="137160" y="3429000"/>
             <a:ext cx="914400" cy="914400"/>
           </a:xfrm>
           <a:prstGeom prst="rect">
@@ -4163,56 +4215,6 @@
           </a:prstGeom>
         </p:spPr>
       </p:pic>
-      <p:sp>
-        <p:nvSpPr>
-          <p:cNvPr id="7" name="TextBox 6"/>
-          <p:cNvSpPr txBox="1"/>
-          <p:nvPr/>
-        </p:nvSpPr>
-        <p:spPr>
-          <a:xfrm>
-            <a:off x="134695" y="57090"/>
-            <a:ext cx="4437305" cy="400110"/>
-          </a:xfrm>
-          <a:prstGeom prst="rect">
-            <a:avLst/>
-          </a:prstGeom>
-          <a:noFill/>
-        </p:spPr>
-        <p:txBody>
-          <a:bodyPr wrap="none" lIns="0" tIns="0" rIns="0" bIns="0" rtlCol="0">
-            <a:spAutoFit/>
-          </a:bodyPr>
-          <a:lstStyle/>
-          <a:p>
-            <a:r>
-              <a:rPr lang="en-US" b="1" dirty="0" smtClean="0"/>
-              <a:t>Slides, videos, links and more:</a:t>
-            </a:r>
-          </a:p>
-          <a:p>
-            <a:r>
-              <a:rPr lang="en-US" dirty="0">
-                <a:hlinkClick r:id="rId5"/>
-              </a:rPr>
-              <a:t>https</a:t>
-            </a:r>
-            <a:r>
-              <a:rPr lang="en-US">
-                <a:hlinkClick r:id="rId5"/>
-              </a:rPr>
-              <a:t>://</a:t>
-            </a:r>
-            <a:r>
-              <a:rPr lang="en-US" smtClean="0">
-                <a:hlinkClick r:id="rId5"/>
-              </a:rPr>
-              <a:t>github.com/physicell-training/01-Welcome-to-training</a:t>
-            </a:r>
-            <a:endParaRPr lang="en-US" dirty="0" smtClean="0"/>
-          </a:p>
-        </p:txBody>
-      </p:sp>
     </p:spTree>
     <p:extLst>
       <p:ext uri="{BB962C8B-B14F-4D97-AF65-F5344CB8AC3E}">
@@ -4252,13 +4254,7 @@
       </p:grpSpPr>
       <p:sp>
         <p:nvSpPr>
-          <p:cNvPr id="2" name="Title 1">
-            <a:extLst>
-              <a:ext uri="{FF2B5EF4-FFF2-40B4-BE49-F238E27FC236}">
-                <a16:creationId xmlns:a16="http://schemas.microsoft.com/office/drawing/2014/main" xmlns="" id="{281C6913-6593-49B3-8EAB-B8CBCEE98C50}"/>
-              </a:ext>
-            </a:extLst>
-          </p:cNvPr>
+          <p:cNvPr id="2" name="Title 1"/>
           <p:cNvSpPr>
             <a:spLocks noGrp="1"/>
           </p:cNvSpPr>
@@ -4272,21 +4268,16 @@
           <a:lstStyle/>
           <a:p>
             <a:r>
-              <a:rPr lang="en-US" dirty="0"/>
-              <a:t>Checklist</a:t>
-            </a:r>
-          </a:p>
-        </p:txBody>
-      </p:sp>
-      <p:sp>
-        <p:nvSpPr>
-          <p:cNvPr id="3" name="Content Placeholder 2">
-            <a:extLst>
-              <a:ext uri="{FF2B5EF4-FFF2-40B4-BE49-F238E27FC236}">
-                <a16:creationId xmlns:a16="http://schemas.microsoft.com/office/drawing/2014/main" xmlns="" id="{9EC321B9-1513-41AA-B8F0-BF42E5CDAF80}"/>
-              </a:ext>
-            </a:extLst>
-          </p:cNvPr>
+              <a:rPr lang="en-US" dirty="0" smtClean="0"/>
+              <a:t>PhysiCell is a C++ toolkit</a:t>
+            </a:r>
+            <a:endParaRPr lang="en-US" dirty="0"/>
+          </a:p>
+        </p:txBody>
+      </p:sp>
+      <p:sp>
+        <p:nvSpPr>
+          <p:cNvPr id="3" name="Content Placeholder 2"/>
           <p:cNvSpPr>
             <a:spLocks noGrp="1"/>
           </p:cNvSpPr>
@@ -4300,45 +4291,41 @@
           <a:lstStyle/>
           <a:p>
             <a:r>
-              <a:rPr lang="en-US" dirty="0"/>
-              <a:t>PhysiCell development environment</a:t>
-            </a:r>
-          </a:p>
-          <a:p>
-            <a:r>
-              <a:rPr lang="en-US" dirty="0" err="1"/>
-              <a:t>nanoHUB</a:t>
-            </a:r>
-            <a:r>
-              <a:rPr lang="en-US" dirty="0"/>
-              <a:t> account</a:t>
-            </a:r>
-          </a:p>
-          <a:p>
-            <a:r>
-              <a:rPr lang="en-US" dirty="0"/>
-              <a:t>optional tools</a:t>
-            </a:r>
+              <a:rPr lang="en-US" dirty="0" smtClean="0"/>
+              <a:t>To actively develop PhysiCell models, you will need an appropriate C++ development environment.</a:t>
+            </a:r>
+          </a:p>
+          <a:p>
+            <a:endParaRPr lang="en-US" dirty="0"/>
+          </a:p>
+          <a:p>
+            <a:r>
+              <a:rPr lang="en-US" dirty="0" smtClean="0"/>
+              <a:t>For models that aren't shared as cloud-hosted simulators, running PhysiCell-based projects requires compiling and running C++ codes.</a:t>
+            </a:r>
+          </a:p>
+          <a:p>
+            <a:endParaRPr lang="en-US" dirty="0"/>
+          </a:p>
+          <a:p>
+            <a:r>
+              <a:rPr lang="en-US" dirty="0" smtClean="0"/>
+              <a:t>This module will help you create your own 64-bit C++ development environment. </a:t>
+            </a:r>
+            <a:endParaRPr lang="en-US" dirty="0"/>
           </a:p>
         </p:txBody>
       </p:sp>
     </p:spTree>
     <p:extLst>
       <p:ext uri="{BB962C8B-B14F-4D97-AF65-F5344CB8AC3E}">
-        <p14:creationId xmlns:p14="http://schemas.microsoft.com/office/powerpoint/2010/main" val="5844248"/>
+        <p14:creationId xmlns:p14="http://schemas.microsoft.com/office/powerpoint/2010/main" val="2456513124"/>
       </p:ext>
     </p:extLst>
   </p:cSld>
   <p:clrMapOvr>
     <a:masterClrMapping/>
   </p:clrMapOvr>
-  <p:timing>
-    <p:tnLst>
-      <p:par>
-        <p:cTn id="1" dur="indefinite" restart="never" nodeType="tmRoot"/>
-      </p:par>
-    </p:tnLst>
-  </p:timing>
 </p:sld>
 </file>
 
@@ -4439,30 +4426,7 @@
               <a:rPr lang="en-US" dirty="0"/>
               <a:t>Ideal for long-term development </a:t>
             </a:r>
-          </a:p>
-          <a:p>
-            <a:endParaRPr lang="en-US" dirty="0"/>
-          </a:p>
-          <a:p>
-            <a:r>
-              <a:rPr lang="en-US" b="1" dirty="0"/>
-              <a:t>Virtual appliance </a:t>
-            </a:r>
-            <a:endParaRPr lang="en-US" dirty="0"/>
-          </a:p>
-          <a:p>
-            <a:pPr lvl="1"/>
-            <a:r>
-              <a:rPr lang="en-US" dirty="0"/>
-              <a:t>Pre-configured environment that runs in VirtualBox as a virtual machine</a:t>
-            </a:r>
-          </a:p>
-          <a:p>
-            <a:pPr lvl="1"/>
-            <a:r>
-              <a:rPr lang="en-US" dirty="0"/>
-              <a:t>Use this while debugging your local install, but slow (and not frequently updated)</a:t>
-            </a:r>
+            <a:endParaRPr lang="en-US" dirty="0" smtClean="0"/>
           </a:p>
           <a:p>
             <a:pPr lvl="1"/>
@@ -4471,14 +4435,19 @@
           <a:p>
             <a:r>
               <a:rPr lang="en-US" b="1" dirty="0"/>
-              <a:t>Cloud-hosted environment (coming soon!)</a:t>
-            </a:r>
+              <a:t>Cloud-hosted </a:t>
+            </a:r>
+            <a:r>
+              <a:rPr lang="en-US" b="1" dirty="0" smtClean="0"/>
+              <a:t>environment on nanoHUB.org </a:t>
+            </a:r>
+            <a:endParaRPr lang="en-US" b="1" dirty="0"/>
           </a:p>
           <a:p>
             <a:pPr lvl="1"/>
             <a:r>
               <a:rPr lang="en-US" dirty="0"/>
-              <a:t>Cloud-hosted VM on nanoHUB.org </a:t>
+              <a:t>Cloud-hosted workstation on nanoHUB.org </a:t>
             </a:r>
           </a:p>
           <a:p>
@@ -4487,6 +4456,42 @@
               <a:rPr lang="en-US" dirty="0"/>
               <a:t>Ideal for use in short courses and classrooms</a:t>
             </a:r>
+          </a:p>
+          <a:p>
+            <a:endParaRPr lang="en-US" dirty="0" smtClean="0"/>
+          </a:p>
+          <a:p>
+            <a:r>
+              <a:rPr lang="en-US" b="1" dirty="0" smtClean="0"/>
+              <a:t>Virtual </a:t>
+            </a:r>
+            <a:r>
+              <a:rPr lang="en-US" b="1" dirty="0"/>
+              <a:t>appliance </a:t>
+            </a:r>
+            <a:r>
+              <a:rPr lang="en-US" b="1" dirty="0" smtClean="0"/>
+              <a:t>(no longer supported)</a:t>
+            </a:r>
+            <a:endParaRPr lang="en-US" dirty="0"/>
+          </a:p>
+          <a:p>
+            <a:pPr lvl="1"/>
+            <a:r>
+              <a:rPr lang="en-US" dirty="0"/>
+              <a:t>Pre-configured environment that runs in VirtualBox as a virtual machine</a:t>
+            </a:r>
+          </a:p>
+          <a:p>
+            <a:pPr lvl="1"/>
+            <a:r>
+              <a:rPr lang="en-US" dirty="0"/>
+              <a:t>Use this while debugging your local install, but slow (and not frequently updated)</a:t>
+            </a:r>
+          </a:p>
+          <a:p>
+            <a:pPr lvl="1"/>
+            <a:endParaRPr lang="en-US" dirty="0"/>
           </a:p>
         </p:txBody>
       </p:sp>
@@ -4798,13 +4803,7 @@
       </p:grpSpPr>
       <p:sp>
         <p:nvSpPr>
-          <p:cNvPr id="2" name="Title 1">
-            <a:extLst>
-              <a:ext uri="{FF2B5EF4-FFF2-40B4-BE49-F238E27FC236}">
-                <a16:creationId xmlns:a16="http://schemas.microsoft.com/office/drawing/2014/main" xmlns="" id="{A1608C01-04B7-4136-BC4F-AB3237C09422}"/>
-              </a:ext>
-            </a:extLst>
-          </p:cNvPr>
+          <p:cNvPr id="2" name="Title 1"/>
           <p:cNvSpPr>
             <a:spLocks noGrp="1"/>
           </p:cNvSpPr>
@@ -4817,22 +4816,13 @@
           <a:bodyPr/>
           <a:lstStyle/>
           <a:p>
-            <a:r>
-              <a:rPr lang="en-US" dirty="0"/>
-              <a:t>Virtual Appliance [finish]</a:t>
-            </a:r>
-          </a:p>
-        </p:txBody>
-      </p:sp>
-      <p:sp>
-        <p:nvSpPr>
-          <p:cNvPr id="3" name="Content Placeholder 2">
-            <a:extLst>
-              <a:ext uri="{FF2B5EF4-FFF2-40B4-BE49-F238E27FC236}">
-                <a16:creationId xmlns:a16="http://schemas.microsoft.com/office/drawing/2014/main" xmlns="" id="{701145C8-A179-410D-A9BE-1570BDA04699}"/>
-              </a:ext>
-            </a:extLst>
-          </p:cNvPr>
+            <a:endParaRPr lang="en-US"/>
+          </a:p>
+        </p:txBody>
+      </p:sp>
+      <p:sp>
+        <p:nvSpPr>
+          <p:cNvPr id="3" name="Content Placeholder 2"/>
           <p:cNvSpPr>
             <a:spLocks noGrp="1"/>
           </p:cNvSpPr>
@@ -4842,230 +4832,17 @@
         </p:nvSpPr>
         <p:spPr/>
         <p:txBody>
-          <a:bodyPr>
-            <a:normAutofit fontScale="62500" lnSpcReduction="20000"/>
-          </a:bodyPr>
+          <a:bodyPr/>
           <a:lstStyle/>
           <a:p>
-            <a:pPr>
-              <a:lnSpc>
-                <a:spcPct val="120000"/>
-              </a:lnSpc>
-              <a:spcBef>
-                <a:spcPts val="0"/>
-              </a:spcBef>
-              <a:spcAft>
-                <a:spcPts val="600"/>
-              </a:spcAft>
-            </a:pPr>
-            <a:r>
-              <a:rPr lang="en-US" dirty="0"/>
-              <a:t>If the local install gives you trouble, you can try a virtual appliance. This is a pre-configured virtual machine </a:t>
-            </a:r>
-          </a:p>
-          <a:p>
-            <a:endParaRPr lang="en-US" b="1" u="sng" dirty="0"/>
-          </a:p>
-          <a:p>
-            <a:r>
-              <a:rPr lang="en-US" b="1" u="sng" dirty="0"/>
-              <a:t>Steps</a:t>
-            </a:r>
-            <a:r>
-              <a:rPr lang="en-US" b="1" dirty="0"/>
-              <a:t>:</a:t>
-            </a:r>
-          </a:p>
-          <a:p>
-            <a:pPr lvl="1"/>
-            <a:r>
-              <a:rPr lang="en-US" dirty="0"/>
-              <a:t>64-bit g++ with OpenMP support (other compilers okay)</a:t>
-            </a:r>
-          </a:p>
-          <a:p>
-            <a:pPr lvl="1"/>
-            <a:r>
-              <a:rPr lang="en-US" dirty="0"/>
-              <a:t>Make and zip/unzip (at command line)</a:t>
-            </a:r>
-          </a:p>
-          <a:p>
-            <a:pPr lvl="1"/>
-            <a:r>
-              <a:rPr lang="en-US" dirty="0"/>
-              <a:t>Some sort of code editor (I just use a text editor.) </a:t>
-            </a:r>
-          </a:p>
-          <a:p>
-            <a:r>
-              <a:rPr lang="en-US" b="1" u="sng" dirty="0"/>
-              <a:t>Setup tutorials</a:t>
-            </a:r>
-            <a:r>
-              <a:rPr lang="en-US" b="1" dirty="0"/>
-              <a:t>: </a:t>
-            </a:r>
-          </a:p>
-          <a:p>
-            <a:pPr lvl="1"/>
-            <a:r>
-              <a:rPr lang="en-US" b="1" u="sng" dirty="0"/>
-              <a:t>Linux</a:t>
-            </a:r>
-            <a:r>
-              <a:rPr lang="en-US" b="1" dirty="0"/>
-              <a:t>:</a:t>
-            </a:r>
-            <a:r>
-              <a:rPr lang="en-US" dirty="0"/>
-              <a:t> You probably already have it! Use your package manager as needed.</a:t>
-            </a:r>
-          </a:p>
-          <a:p>
-            <a:pPr lvl="1"/>
-            <a:endParaRPr lang="en-US" sz="900" dirty="0"/>
-          </a:p>
-          <a:p>
-            <a:pPr lvl="1"/>
-            <a:r>
-              <a:rPr lang="en-US" b="1" u="sng" dirty="0"/>
-              <a:t>Windows</a:t>
-            </a:r>
-            <a:r>
-              <a:rPr lang="en-US" b="1" dirty="0"/>
-              <a:t>:</a:t>
-            </a:r>
-            <a:r>
-              <a:rPr lang="en-US" dirty="0"/>
-              <a:t> We wrote detailed instructions here, based on mingw-w64 and </a:t>
-            </a:r>
-            <a:r>
-              <a:rPr lang="en-US" dirty="0" err="1"/>
-              <a:t>msys</a:t>
-            </a:r>
-            <a:r>
-              <a:rPr lang="en-US" dirty="0"/>
-              <a:t>:</a:t>
-            </a:r>
-          </a:p>
-          <a:p>
-            <a:pPr marL="171450" lvl="1" indent="0">
-              <a:buNone/>
-            </a:pPr>
-            <a:r>
-              <a:rPr lang="en-US" dirty="0"/>
-              <a:t>	</a:t>
-            </a:r>
-            <a:r>
-              <a:rPr lang="en-US" dirty="0">
-                <a:hlinkClick r:id="rId2"/>
-              </a:rPr>
-              <a:t>http://www.mathcancer.org/blog/setting-up-a-64-bit-gcc-environment-on-windows/</a:t>
-            </a:r>
-            <a:r>
-              <a:rPr lang="en-US" dirty="0"/>
-              <a:t> </a:t>
-            </a:r>
-          </a:p>
-          <a:p>
-            <a:pPr lvl="1"/>
-            <a:endParaRPr lang="en-US" sz="900" dirty="0"/>
-          </a:p>
-          <a:p>
-            <a:pPr lvl="1"/>
-            <a:r>
-              <a:rPr lang="en-US" b="1" u="sng" dirty="0"/>
-              <a:t>OSX</a:t>
-            </a:r>
-            <a:r>
-              <a:rPr lang="en-US" b="1" dirty="0"/>
-              <a:t>:</a:t>
-            </a:r>
-            <a:r>
-              <a:rPr lang="en-US" dirty="0"/>
-              <a:t> We wrote a tutorial using Homebrew:</a:t>
-            </a:r>
-          </a:p>
-          <a:p>
-            <a:pPr lvl="2"/>
-            <a:r>
-              <a:rPr lang="en-US" i="1" u="sng" dirty="0"/>
-              <a:t>Note</a:t>
-            </a:r>
-            <a:r>
-              <a:rPr lang="en-US" i="1" dirty="0"/>
-              <a:t>:</a:t>
-            </a:r>
-            <a:r>
-              <a:rPr lang="en-US" dirty="0"/>
-              <a:t> OSX has "</a:t>
-            </a:r>
-            <a:r>
-              <a:rPr lang="en-US" dirty="0" err="1"/>
-              <a:t>gcc</a:t>
-            </a:r>
-            <a:r>
-              <a:rPr lang="en-US" dirty="0"/>
-              <a:t>" which is actually </a:t>
-            </a:r>
-            <a:r>
-              <a:rPr lang="en-US" dirty="0" err="1"/>
-              <a:t>llvm</a:t>
-            </a:r>
-            <a:r>
-              <a:rPr lang="en-US" dirty="0"/>
-              <a:t>/clang without OpenMP support</a:t>
-            </a:r>
-          </a:p>
-          <a:p>
-            <a:pPr lvl="2"/>
-            <a:r>
-              <a:rPr lang="en-US" i="1" u="sng" dirty="0"/>
-              <a:t>Note</a:t>
-            </a:r>
-            <a:r>
-              <a:rPr lang="en-US" i="1" dirty="0"/>
-              <a:t>:</a:t>
-            </a:r>
-            <a:r>
-              <a:rPr lang="en-US" dirty="0"/>
-              <a:t> OSX users must set an environment variable. So</a:t>
-            </a:r>
-            <a:r>
-              <a:rPr lang="en-US" i="1" dirty="0"/>
-              <a:t> please do </a:t>
-            </a:r>
-            <a:r>
-              <a:rPr lang="en-US" dirty="0"/>
-              <a:t>use the tutorial</a:t>
-            </a:r>
-          </a:p>
-          <a:p>
-            <a:pPr marL="171450" lvl="1" indent="0">
-              <a:buNone/>
-            </a:pPr>
-            <a:r>
-              <a:rPr lang="en-US" dirty="0"/>
-              <a:t>	</a:t>
-            </a:r>
-            <a:r>
-              <a:rPr lang="en-US" dirty="0">
-                <a:hlinkClick r:id="rId3"/>
-              </a:rPr>
-              <a:t>http://www.mathcancer.org/blog/setting-up-gcc-openmp-on-osx-homebrew-edition/</a:t>
-            </a:r>
-            <a:r>
-              <a:rPr lang="en-US" dirty="0"/>
-              <a:t> </a:t>
-            </a:r>
+            <a:endParaRPr lang="en-US"/>
           </a:p>
         </p:txBody>
       </p:sp>
     </p:spTree>
     <p:extLst>
       <p:ext uri="{BB962C8B-B14F-4D97-AF65-F5344CB8AC3E}">
-        <p14:creationId xmlns:p14="http://schemas.microsoft.com/office/powerpoint/2010/main" val="1093086352"/>
+        <p14:creationId xmlns:p14="http://schemas.microsoft.com/office/powerpoint/2010/main" val="2029878137"/>
       </p:ext>
     </p:extLst>
   </p:cSld>

--- a/pptx_source/01-What-you-need.pptx
+++ b/pptx_source/01-What-you-need.pptx
@@ -5,17 +5,18 @@
     <p:sldMasterId id="2147483660" r:id="rId1"/>
   </p:sldMasterIdLst>
   <p:notesMasterIdLst>
-    <p:notesMasterId r:id="rId10"/>
+    <p:notesMasterId r:id="rId11"/>
   </p:notesMasterIdLst>
   <p:sldIdLst>
     <p:sldId id="257" r:id="rId2"/>
     <p:sldId id="268" r:id="rId3"/>
     <p:sldId id="259" r:id="rId4"/>
     <p:sldId id="260" r:id="rId5"/>
-    <p:sldId id="269" r:id="rId6"/>
-    <p:sldId id="262" r:id="rId7"/>
-    <p:sldId id="266" r:id="rId8"/>
-    <p:sldId id="267" r:id="rId9"/>
+    <p:sldId id="262" r:id="rId6"/>
+    <p:sldId id="269" r:id="rId7"/>
+    <p:sldId id="270" r:id="rId8"/>
+    <p:sldId id="266" r:id="rId9"/>
+    <p:sldId id="267" r:id="rId10"/>
   </p:sldIdLst>
   <p:sldSz cx="9144000" cy="5143500" type="screen16x9"/>
   <p:notesSz cx="6858000" cy="9144000"/>
@@ -4803,74 +4804,6 @@
       </p:grpSpPr>
       <p:sp>
         <p:nvSpPr>
-          <p:cNvPr id="2" name="Title 1"/>
-          <p:cNvSpPr>
-            <a:spLocks noGrp="1"/>
-          </p:cNvSpPr>
-          <p:nvPr>
-            <p:ph type="title"/>
-          </p:nvPr>
-        </p:nvSpPr>
-        <p:spPr/>
-        <p:txBody>
-          <a:bodyPr/>
-          <a:lstStyle/>
-          <a:p>
-            <a:endParaRPr lang="en-US"/>
-          </a:p>
-        </p:txBody>
-      </p:sp>
-      <p:sp>
-        <p:nvSpPr>
-          <p:cNvPr id="3" name="Content Placeholder 2"/>
-          <p:cNvSpPr>
-            <a:spLocks noGrp="1"/>
-          </p:cNvSpPr>
-          <p:nvPr>
-            <p:ph idx="1"/>
-          </p:nvPr>
-        </p:nvSpPr>
-        <p:spPr/>
-        <p:txBody>
-          <a:bodyPr/>
-          <a:lstStyle/>
-          <a:p>
-            <a:endParaRPr lang="en-US"/>
-          </a:p>
-        </p:txBody>
-      </p:sp>
-    </p:spTree>
-    <p:extLst>
-      <p:ext uri="{BB962C8B-B14F-4D97-AF65-F5344CB8AC3E}">
-        <p14:creationId xmlns:p14="http://schemas.microsoft.com/office/powerpoint/2010/main" val="2029878137"/>
-      </p:ext>
-    </p:extLst>
-  </p:cSld>
-  <p:clrMapOvr>
-    <a:masterClrMapping/>
-  </p:clrMapOvr>
-</p:sld>
-</file>
-
-<file path=ppt/slides/slide6.xml><?xml version="1.0" encoding="utf-8"?>
-<p:sld xmlns:a="http://schemas.openxmlformats.org/drawingml/2006/main" xmlns:r="http://schemas.openxmlformats.org/officeDocument/2006/relationships" xmlns:p="http://schemas.openxmlformats.org/presentationml/2006/main">
-  <p:cSld>
-    <p:spTree>
-      <p:nvGrpSpPr>
-        <p:cNvPr id="1" name=""/>
-        <p:cNvGrpSpPr/>
-        <p:nvPr/>
-      </p:nvGrpSpPr>
-      <p:grpSpPr>
-        <a:xfrm>
-          <a:off x="0" y="0"/>
-          <a:ext cx="0" cy="0"/>
-          <a:chOff x="0" y="0"/>
-          <a:chExt cx="0" cy="0"/>
-        </a:xfrm>
-      </p:grpSpPr>
-      <p:sp>
-        <p:nvSpPr>
           <p:cNvPr id="2" name="Title 1">
             <a:extLst>
               <a:ext uri="{FF2B5EF4-FFF2-40B4-BE49-F238E27FC236}">
@@ -5564,7 +5497,547 @@
 </p:sld>
 </file>
 
+<file path=ppt/slides/slide6.xml><?xml version="1.0" encoding="utf-8"?>
+<p:sld xmlns:a="http://schemas.openxmlformats.org/drawingml/2006/main" xmlns:r="http://schemas.openxmlformats.org/officeDocument/2006/relationships" xmlns:p="http://schemas.openxmlformats.org/presentationml/2006/main">
+  <p:cSld>
+    <p:spTree>
+      <p:nvGrpSpPr>
+        <p:cNvPr id="1" name=""/>
+        <p:cNvGrpSpPr/>
+        <p:nvPr/>
+      </p:nvGrpSpPr>
+      <p:grpSpPr>
+        <a:xfrm>
+          <a:off x="0" y="0"/>
+          <a:ext cx="0" cy="0"/>
+          <a:chOff x="0" y="0"/>
+          <a:chExt cx="0" cy="0"/>
+        </a:xfrm>
+      </p:grpSpPr>
+      <p:sp>
+        <p:nvSpPr>
+          <p:cNvPr id="2" name="Title 1"/>
+          <p:cNvSpPr>
+            <a:spLocks noGrp="1"/>
+          </p:cNvSpPr>
+          <p:nvPr>
+            <p:ph type="title"/>
+          </p:nvPr>
+        </p:nvSpPr>
+        <p:spPr/>
+        <p:txBody>
+          <a:bodyPr/>
+          <a:lstStyle/>
+          <a:p>
+            <a:r>
+              <a:rPr lang="en-US" dirty="0" smtClean="0"/>
+              <a:t>Cloud-hosted environment (1)</a:t>
+            </a:r>
+            <a:endParaRPr lang="en-US" dirty="0"/>
+          </a:p>
+        </p:txBody>
+      </p:sp>
+      <p:sp>
+        <p:nvSpPr>
+          <p:cNvPr id="3" name="Content Placeholder 2"/>
+          <p:cNvSpPr>
+            <a:spLocks noGrp="1"/>
+          </p:cNvSpPr>
+          <p:nvPr>
+            <p:ph idx="1"/>
+          </p:nvPr>
+        </p:nvSpPr>
+        <p:spPr/>
+        <p:txBody>
+          <a:bodyPr>
+            <a:normAutofit fontScale="70000" lnSpcReduction="20000"/>
+          </a:bodyPr>
+          <a:lstStyle/>
+          <a:p>
+            <a:r>
+              <a:rPr lang="en-US" dirty="0" err="1" smtClean="0"/>
+              <a:t>nanoHUB</a:t>
+            </a:r>
+            <a:r>
+              <a:rPr lang="en-US" dirty="0" smtClean="0"/>
+              <a:t> created the </a:t>
+            </a:r>
+            <a:r>
+              <a:rPr lang="en-US" b="1" dirty="0" smtClean="0"/>
+              <a:t>workspace </a:t>
+            </a:r>
+            <a:r>
+              <a:rPr lang="en-US" dirty="0" smtClean="0"/>
+              <a:t>tool to allow online development</a:t>
+            </a:r>
+          </a:p>
+          <a:p>
+            <a:r>
+              <a:rPr lang="en-US" dirty="0" smtClean="0"/>
+              <a:t>We created a specialized </a:t>
+            </a:r>
+            <a:r>
+              <a:rPr lang="en-US" i="1" dirty="0" smtClean="0"/>
+              <a:t>PhysiCell </a:t>
+            </a:r>
+            <a:r>
+              <a:rPr lang="en-US" dirty="0" smtClean="0"/>
+              <a:t>environment in workspace</a:t>
+            </a:r>
+          </a:p>
+          <a:p>
+            <a:endParaRPr lang="en-US" dirty="0"/>
+          </a:p>
+          <a:p>
+            <a:pPr marL="342900" indent="-282575">
+              <a:buFont typeface="+mj-lt"/>
+              <a:buAutoNum type="arabicPeriod"/>
+            </a:pPr>
+            <a:r>
+              <a:rPr lang="en-US" dirty="0"/>
+              <a:t>Request to join the </a:t>
+            </a:r>
+            <a:r>
+              <a:rPr lang="en-US" dirty="0" err="1"/>
+              <a:t>physicelldev</a:t>
+            </a:r>
+            <a:r>
+              <a:rPr lang="en-US" dirty="0"/>
+              <a:t> group:</a:t>
+            </a:r>
+            <a:br>
+              <a:rPr lang="en-US" dirty="0"/>
+            </a:br>
+            <a:r>
+              <a:rPr lang="en-US" dirty="0">
+                <a:hlinkClick r:id="rId2"/>
+              </a:rPr>
+              <a:t>https://nanohub.org/groups/physicelldev</a:t>
+            </a:r>
+            <a:endParaRPr lang="en-US" dirty="0"/>
+          </a:p>
+          <a:p>
+            <a:pPr marL="342900" indent="-282575">
+              <a:buFont typeface="+mj-lt"/>
+              <a:buAutoNum type="arabicPeriod"/>
+            </a:pPr>
+            <a:r>
+              <a:rPr lang="en-US" dirty="0" smtClean="0"/>
+              <a:t>Go to the workspace tool:</a:t>
+            </a:r>
+            <a:br>
+              <a:rPr lang="en-US" dirty="0" smtClean="0"/>
+            </a:br>
+            <a:r>
+              <a:rPr lang="en-US" dirty="0">
+                <a:hlinkClick r:id="rId3"/>
+              </a:rPr>
+              <a:t>http://nanohub.org/tools/workspace</a:t>
+            </a:r>
+            <a:endParaRPr lang="en-US" dirty="0" smtClean="0"/>
+          </a:p>
+          <a:p>
+            <a:pPr marL="342900" indent="-282575">
+              <a:buFont typeface="+mj-lt"/>
+              <a:buAutoNum type="arabicPeriod"/>
+            </a:pPr>
+            <a:r>
+              <a:rPr lang="en-US" dirty="0" smtClean="0"/>
+              <a:t>Start the tool</a:t>
+            </a:r>
+          </a:p>
+          <a:p>
+            <a:pPr marL="342900" indent="-282575">
+              <a:buFont typeface="+mj-lt"/>
+              <a:buAutoNum type="arabicPeriod"/>
+            </a:pPr>
+            <a:r>
+              <a:rPr lang="en-US" dirty="0" smtClean="0"/>
+              <a:t>Select the </a:t>
+            </a:r>
+            <a:r>
+              <a:rPr lang="en-US" dirty="0" err="1" smtClean="0"/>
+              <a:t>physicell</a:t>
+            </a:r>
+            <a:r>
+              <a:rPr lang="en-US" dirty="0" smtClean="0"/>
+              <a:t> environment using "</a:t>
+            </a:r>
+            <a:r>
+              <a:rPr lang="en-US" dirty="0" err="1" smtClean="0"/>
+              <a:t>chuse</a:t>
+            </a:r>
+            <a:r>
+              <a:rPr lang="en-US" dirty="0" smtClean="0"/>
+              <a:t>" </a:t>
+            </a:r>
+          </a:p>
+          <a:p>
+            <a:pPr marL="685800" lvl="1" indent="-285750">
+              <a:buFont typeface="+mj-lt"/>
+              <a:buAutoNum type="alphaLcPeriod"/>
+            </a:pPr>
+            <a:r>
+              <a:rPr lang="en-US" dirty="0" smtClean="0"/>
+              <a:t>Right-click the desktop</a:t>
+            </a:r>
+          </a:p>
+          <a:p>
+            <a:pPr marL="685800" lvl="1" indent="-285750">
+              <a:buFont typeface="+mj-lt"/>
+              <a:buAutoNum type="alphaLcPeriod"/>
+            </a:pPr>
+            <a:r>
+              <a:rPr lang="en-US" dirty="0" smtClean="0"/>
+              <a:t>Select "</a:t>
+            </a:r>
+            <a:r>
+              <a:rPr lang="en-US" dirty="0" err="1" smtClean="0"/>
+              <a:t>chuse</a:t>
+            </a:r>
+            <a:r>
+              <a:rPr lang="en-US" dirty="0" smtClean="0"/>
+              <a:t>" </a:t>
+            </a:r>
+          </a:p>
+          <a:p>
+            <a:pPr marL="685800" lvl="1" indent="-285750">
+              <a:buFont typeface="+mj-lt"/>
+              <a:buAutoNum type="alphaLcPeriod"/>
+            </a:pPr>
+            <a:r>
+              <a:rPr lang="en-US" dirty="0" smtClean="0"/>
+              <a:t>Type "</a:t>
+            </a:r>
+            <a:r>
+              <a:rPr lang="en-US" dirty="0" err="1" smtClean="0"/>
+              <a:t>physicell</a:t>
+            </a:r>
+            <a:r>
+              <a:rPr lang="en-US" dirty="0" smtClean="0"/>
+              <a:t>" in the bottom search bar</a:t>
+            </a:r>
+          </a:p>
+          <a:p>
+            <a:pPr marL="685800" lvl="1" indent="-285750">
+              <a:buFont typeface="+mj-lt"/>
+              <a:buAutoNum type="alphaLcPeriod"/>
+            </a:pPr>
+            <a:r>
+              <a:rPr lang="en-US" dirty="0" smtClean="0"/>
+              <a:t>Select </a:t>
+            </a:r>
+            <a:r>
+              <a:rPr lang="en-US" dirty="0" err="1" smtClean="0"/>
+              <a:t>physicell-x.y.z</a:t>
+            </a:r>
+            <a:r>
+              <a:rPr lang="en-US" dirty="0" smtClean="0"/>
+              <a:t> (currently 1.1.1)</a:t>
+            </a:r>
+          </a:p>
+          <a:p>
+            <a:pPr marL="685800" lvl="1" indent="-285750">
+              <a:buFont typeface="+mj-lt"/>
+              <a:buAutoNum type="alphaLcPeriod"/>
+            </a:pPr>
+            <a:r>
+              <a:rPr lang="en-US" dirty="0" smtClean="0"/>
+              <a:t>close </a:t>
+            </a:r>
+            <a:r>
+              <a:rPr lang="en-US" dirty="0" err="1" smtClean="0"/>
+              <a:t>chuse</a:t>
+            </a:r>
+            <a:r>
+              <a:rPr lang="en-US" dirty="0" smtClean="0"/>
+              <a:t> and all </a:t>
+            </a:r>
+            <a:r>
+              <a:rPr lang="en-US" dirty="0" err="1" smtClean="0"/>
+              <a:t>xterm</a:t>
+            </a:r>
+            <a:r>
+              <a:rPr lang="en-US" dirty="0" smtClean="0"/>
+              <a:t> windows</a:t>
+            </a:r>
+          </a:p>
+          <a:p>
+            <a:pPr marL="685800" lvl="1" indent="-285750">
+              <a:buFont typeface="+mj-lt"/>
+              <a:buAutoNum type="alphaLcPeriod"/>
+            </a:pPr>
+            <a:r>
+              <a:rPr lang="en-US" dirty="0" smtClean="0"/>
+              <a:t>open a new </a:t>
+            </a:r>
+            <a:r>
+              <a:rPr lang="en-US" dirty="0" err="1" smtClean="0"/>
+              <a:t>xterm</a:t>
+            </a:r>
+            <a:r>
+              <a:rPr lang="en-US" dirty="0" smtClean="0"/>
+              <a:t> window, and get PhysiCell by typing "get_PhysiCell.sh" and follow the prompts</a:t>
+            </a:r>
+          </a:p>
+          <a:p>
+            <a:pPr marL="457200" indent="-457200">
+              <a:buFont typeface="+mj-lt"/>
+              <a:buAutoNum type="arabicPeriod"/>
+            </a:pPr>
+            <a:endParaRPr lang="en-US" dirty="0" smtClean="0"/>
+          </a:p>
+          <a:p>
+            <a:pPr marL="457200" indent="-457200">
+              <a:buFont typeface="+mj-lt"/>
+              <a:buAutoNum type="arabicPeriod"/>
+            </a:pPr>
+            <a:endParaRPr lang="en-US" dirty="0" smtClean="0"/>
+          </a:p>
+          <a:p>
+            <a:pPr marL="457200" indent="-457200">
+              <a:buFont typeface="+mj-lt"/>
+              <a:buAutoNum type="arabicPeriod"/>
+            </a:pPr>
+            <a:endParaRPr lang="en-US" dirty="0" smtClean="0"/>
+          </a:p>
+        </p:txBody>
+      </p:sp>
+      <p:pic>
+        <p:nvPicPr>
+          <p:cNvPr id="4" name="Picture 3"/>
+          <p:cNvPicPr>
+            <a:picLocks noChangeAspect="1"/>
+          </p:cNvPicPr>
+          <p:nvPr/>
+        </p:nvPicPr>
+        <p:blipFill>
+          <a:blip r:embed="rId4"/>
+          <a:stretch>
+            <a:fillRect/>
+          </a:stretch>
+        </p:blipFill>
+        <p:spPr>
+          <a:xfrm>
+            <a:off x="4879443" y="1353736"/>
+            <a:ext cx="3677381" cy="2545080"/>
+          </a:xfrm>
+          <a:prstGeom prst="rect">
+            <a:avLst/>
+          </a:prstGeom>
+        </p:spPr>
+      </p:pic>
+    </p:spTree>
+    <p:extLst>
+      <p:ext uri="{BB962C8B-B14F-4D97-AF65-F5344CB8AC3E}">
+        <p14:creationId xmlns:p14="http://schemas.microsoft.com/office/powerpoint/2010/main" val="2029878137"/>
+      </p:ext>
+    </p:extLst>
+  </p:cSld>
+  <p:clrMapOvr>
+    <a:masterClrMapping/>
+  </p:clrMapOvr>
+</p:sld>
+</file>
+
 <file path=ppt/slides/slide7.xml><?xml version="1.0" encoding="utf-8"?>
+<p:sld xmlns:a="http://schemas.openxmlformats.org/drawingml/2006/main" xmlns:r="http://schemas.openxmlformats.org/officeDocument/2006/relationships" xmlns:p="http://schemas.openxmlformats.org/presentationml/2006/main">
+  <p:cSld>
+    <p:spTree>
+      <p:nvGrpSpPr>
+        <p:cNvPr id="1" name=""/>
+        <p:cNvGrpSpPr/>
+        <p:nvPr/>
+      </p:nvGrpSpPr>
+      <p:grpSpPr>
+        <a:xfrm>
+          <a:off x="0" y="0"/>
+          <a:ext cx="0" cy="0"/>
+          <a:chOff x="0" y="0"/>
+          <a:chExt cx="0" cy="0"/>
+        </a:xfrm>
+      </p:grpSpPr>
+      <p:sp>
+        <p:nvSpPr>
+          <p:cNvPr id="2" name="Title 1"/>
+          <p:cNvSpPr>
+            <a:spLocks noGrp="1"/>
+          </p:cNvSpPr>
+          <p:nvPr>
+            <p:ph type="title"/>
+          </p:nvPr>
+        </p:nvSpPr>
+        <p:spPr/>
+        <p:txBody>
+          <a:bodyPr/>
+          <a:lstStyle/>
+          <a:p>
+            <a:r>
+              <a:rPr lang="en-US" dirty="0" smtClean="0"/>
+              <a:t>Cloud-hosted environment (2)</a:t>
+            </a:r>
+            <a:endParaRPr lang="en-US" dirty="0"/>
+          </a:p>
+        </p:txBody>
+      </p:sp>
+      <p:sp>
+        <p:nvSpPr>
+          <p:cNvPr id="3" name="Content Placeholder 2"/>
+          <p:cNvSpPr>
+            <a:spLocks noGrp="1"/>
+          </p:cNvSpPr>
+          <p:nvPr>
+            <p:ph idx="1"/>
+          </p:nvPr>
+        </p:nvSpPr>
+        <p:spPr/>
+        <p:txBody>
+          <a:bodyPr>
+            <a:normAutofit lnSpcReduction="10000"/>
+          </a:bodyPr>
+          <a:lstStyle/>
+          <a:p>
+            <a:r>
+              <a:rPr lang="en-US" dirty="0" smtClean="0"/>
+              <a:t>After running the script, you have a full Linux-based dev 	environment: </a:t>
+            </a:r>
+          </a:p>
+          <a:p>
+            <a:pPr lvl="1"/>
+            <a:r>
+              <a:rPr lang="en-US" dirty="0" smtClean="0"/>
+              <a:t>Latest PhysiCell is in ~/PhysiCell</a:t>
+            </a:r>
+          </a:p>
+          <a:p>
+            <a:pPr lvl="1"/>
+            <a:endParaRPr lang="en-US" dirty="0" smtClean="0"/>
+          </a:p>
+          <a:p>
+            <a:pPr lvl="1"/>
+            <a:r>
+              <a:rPr lang="en-US" dirty="0" smtClean="0"/>
+              <a:t>Also installed: </a:t>
+            </a:r>
+          </a:p>
+          <a:p>
+            <a:pPr lvl="2"/>
+            <a:r>
+              <a:rPr lang="en-US" dirty="0" smtClean="0"/>
+              <a:t>64-bit g++ with </a:t>
+            </a:r>
+            <a:r>
+              <a:rPr lang="en-US" dirty="0" err="1" smtClean="0"/>
+              <a:t>OpenMP</a:t>
+            </a:r>
+            <a:endParaRPr lang="en-US" dirty="0" smtClean="0"/>
+          </a:p>
+          <a:p>
+            <a:pPr lvl="2"/>
+            <a:r>
+              <a:rPr lang="en-US" dirty="0"/>
+              <a:t>Anaconda / Python 3.x</a:t>
+            </a:r>
+          </a:p>
+          <a:p>
+            <a:pPr lvl="2"/>
+            <a:r>
+              <a:rPr lang="en-US" dirty="0" err="1" smtClean="0"/>
+              <a:t>ImageMagick</a:t>
+            </a:r>
+            <a:r>
+              <a:rPr lang="en-US" dirty="0" smtClean="0"/>
+              <a:t> 	(to batch edit images) </a:t>
+            </a:r>
+          </a:p>
+          <a:p>
+            <a:pPr lvl="2"/>
+            <a:r>
+              <a:rPr lang="en-US" dirty="0" err="1" smtClean="0"/>
+              <a:t>geany</a:t>
+            </a:r>
+            <a:r>
+              <a:rPr lang="en-US" dirty="0" smtClean="0"/>
+              <a:t> 		(text editor)</a:t>
+            </a:r>
+          </a:p>
+          <a:p>
+            <a:pPr lvl="2"/>
+            <a:r>
+              <a:rPr lang="en-US" dirty="0" err="1" smtClean="0"/>
+              <a:t>gedit</a:t>
+            </a:r>
+            <a:r>
+              <a:rPr lang="en-US" dirty="0" smtClean="0"/>
+              <a:t> 		(text editor)</a:t>
+            </a:r>
+          </a:p>
+          <a:p>
+            <a:pPr lvl="2"/>
+            <a:r>
+              <a:rPr lang="en-US" dirty="0" smtClean="0"/>
+              <a:t>nautilus 		(file browser)</a:t>
+            </a:r>
+          </a:p>
+          <a:p>
+            <a:pPr lvl="2"/>
+            <a:r>
+              <a:rPr lang="en-US" dirty="0" smtClean="0"/>
+              <a:t>mirage 		(to view images) </a:t>
+            </a:r>
+          </a:p>
+          <a:p>
+            <a:pPr lvl="2"/>
+            <a:r>
+              <a:rPr lang="en-US" dirty="0" err="1" smtClean="0"/>
+              <a:t>mplayer</a:t>
+            </a:r>
+            <a:r>
+              <a:rPr lang="en-US" dirty="0" smtClean="0"/>
+              <a:t> 		(to play videos)</a:t>
+            </a:r>
+          </a:p>
+          <a:p>
+            <a:pPr lvl="2"/>
+            <a:r>
+              <a:rPr lang="en-US" dirty="0" err="1" smtClean="0"/>
+              <a:t>povray</a:t>
+            </a:r>
+            <a:r>
+              <a:rPr lang="en-US" dirty="0" smtClean="0"/>
+              <a:t> 		(for 3D raytracing)</a:t>
+            </a:r>
+          </a:p>
+          <a:p>
+            <a:pPr lvl="2"/>
+            <a:endParaRPr lang="en-US" dirty="0" smtClean="0"/>
+          </a:p>
+          <a:p>
+            <a:pPr lvl="1"/>
+            <a:endParaRPr lang="en-US" dirty="0" smtClean="0"/>
+          </a:p>
+          <a:p>
+            <a:endParaRPr lang="en-US" dirty="0"/>
+          </a:p>
+          <a:p>
+            <a:endParaRPr lang="en-US" dirty="0" smtClean="0"/>
+          </a:p>
+        </p:txBody>
+      </p:sp>
+    </p:spTree>
+    <p:extLst>
+      <p:ext uri="{BB962C8B-B14F-4D97-AF65-F5344CB8AC3E}">
+        <p14:creationId xmlns:p14="http://schemas.microsoft.com/office/powerpoint/2010/main" val="1060228606"/>
+      </p:ext>
+    </p:extLst>
+  </p:cSld>
+  <p:clrMapOvr>
+    <a:masterClrMapping/>
+  </p:clrMapOvr>
+</p:sld>
+</file>
+
+<file path=ppt/slides/slide8.xml><?xml version="1.0" encoding="utf-8"?>
 <p:sld xmlns:a="http://schemas.openxmlformats.org/drawingml/2006/main" xmlns:r="http://schemas.openxmlformats.org/officeDocument/2006/relationships" xmlns:p="http://schemas.openxmlformats.org/presentationml/2006/main">
   <p:cSld>
     <p:spTree>
@@ -5779,7 +6252,7 @@
 </p:sld>
 </file>
 
-<file path=ppt/slides/slide8.xml><?xml version="1.0" encoding="utf-8"?>
+<file path=ppt/slides/slide9.xml><?xml version="1.0" encoding="utf-8"?>
 <p:sld xmlns:a="http://schemas.openxmlformats.org/drawingml/2006/main" xmlns:r="http://schemas.openxmlformats.org/officeDocument/2006/relationships" xmlns:p="http://schemas.openxmlformats.org/presentationml/2006/main">
   <p:cSld>
     <p:spTree>

--- a/pptx_source/01-What-you-need.pptx
+++ b/pptx_source/01-What-you-need.pptx
@@ -3374,7 +3374,7 @@
               </a14:hiddenLine>
             </a:ext>
             <a:ext uri="{FAA26D3D-D897-4be2-8F04-BA451C77F1D7}">
-              <ma14:placeholderFlag xmlns:ma14="http://schemas.microsoft.com/office/mac/drawingml/2011/main" xmlns="" val="1"/>
+              <ma14:placeholderFlag xmlns="" xmlns:ma14="http://schemas.microsoft.com/office/mac/drawingml/2011/main" val="1"/>
             </a:ext>
           </a:extLst>
         </p:spPr>
@@ -4108,7 +4108,7 @@
           <p:cNvPr id="5" name="Graphic 4">
             <a:extLst>
               <a:ext uri="{FF2B5EF4-FFF2-40B4-BE49-F238E27FC236}">
-                <a16:creationId xmlns:a16="http://schemas.microsoft.com/office/drawing/2014/main" xmlns="" id="{734F3219-C3E5-4037-A29B-5892A640AF97}"/>
+                <a16:creationId xmlns:a16="http://schemas.microsoft.com/office/drawing/2014/main" id="{734F3219-C3E5-4037-A29B-5892A640AF97}"/>
               </a:ext>
             </a:extLst>
           </p:cNvPr>
@@ -4124,7 +4124,7 @@
                 <a14:useLocalDpi xmlns:a14="http://schemas.microsoft.com/office/drawing/2010/main" val="0"/>
               </a:ext>
               <a:ext uri="{96DAC541-7B7A-43D3-8B79-37D633B846F1}">
-                <asvg:svgBlip xmlns:asvg="http://schemas.microsoft.com/office/drawing/2016/SVG/main" xmlns="" r:embed="rId3"/>
+                <asvg:svgBlip xmlns="" xmlns:asvg="http://schemas.microsoft.com/office/drawing/2016/SVG/main" r:embed="rId3"/>
               </a:ext>
             </a:extLst>
           </a:blip>
@@ -4352,7 +4352,7 @@
           <p:cNvPr id="2" name="Title 1">
             <a:extLst>
               <a:ext uri="{FF2B5EF4-FFF2-40B4-BE49-F238E27FC236}">
-                <a16:creationId xmlns:a16="http://schemas.microsoft.com/office/drawing/2014/main" xmlns="" id="{5C368F62-7335-4424-9F6B-4B7C1A0465DD}"/>
+                <a16:creationId xmlns:a16="http://schemas.microsoft.com/office/drawing/2014/main" id="{5C368F62-7335-4424-9F6B-4B7C1A0465DD}"/>
               </a:ext>
             </a:extLst>
           </p:cNvPr>
@@ -4380,7 +4380,7 @@
           <p:cNvPr id="3" name="Content Placeholder 2">
             <a:extLst>
               <a:ext uri="{FF2B5EF4-FFF2-40B4-BE49-F238E27FC236}">
-                <a16:creationId xmlns:a16="http://schemas.microsoft.com/office/drawing/2014/main" xmlns="" id="{675FD4E6-9C8E-4DBB-9737-AB799584CEF0}"/>
+                <a16:creationId xmlns:a16="http://schemas.microsoft.com/office/drawing/2014/main" id="{675FD4E6-9C8E-4DBB-9737-AB799584CEF0}"/>
               </a:ext>
             </a:extLst>
           </p:cNvPr>
@@ -4531,7 +4531,7 @@
           <p:cNvPr id="2" name="Title 1">
             <a:extLst>
               <a:ext uri="{FF2B5EF4-FFF2-40B4-BE49-F238E27FC236}">
-                <a16:creationId xmlns:a16="http://schemas.microsoft.com/office/drawing/2014/main" xmlns="" id="{A1608C01-04B7-4136-BC4F-AB3237C09422}"/>
+                <a16:creationId xmlns:a16="http://schemas.microsoft.com/office/drawing/2014/main" id="{A1608C01-04B7-4136-BC4F-AB3237C09422}"/>
               </a:ext>
             </a:extLst>
           </p:cNvPr>
@@ -4559,7 +4559,7 @@
           <p:cNvPr id="3" name="Content Placeholder 2">
             <a:extLst>
               <a:ext uri="{FF2B5EF4-FFF2-40B4-BE49-F238E27FC236}">
-                <a16:creationId xmlns:a16="http://schemas.microsoft.com/office/drawing/2014/main" xmlns="" id="{701145C8-A179-410D-A9BE-1570BDA04699}"/>
+                <a16:creationId xmlns:a16="http://schemas.microsoft.com/office/drawing/2014/main" id="{701145C8-A179-410D-A9BE-1570BDA04699}"/>
               </a:ext>
             </a:extLst>
           </p:cNvPr>
@@ -4807,7 +4807,7 @@
           <p:cNvPr id="2" name="Title 1">
             <a:extLst>
               <a:ext uri="{FF2B5EF4-FFF2-40B4-BE49-F238E27FC236}">
-                <a16:creationId xmlns:a16="http://schemas.microsoft.com/office/drawing/2014/main" xmlns="" id="{02E934C3-2C9D-4D16-A50C-F324838A6D8A}"/>
+                <a16:creationId xmlns:a16="http://schemas.microsoft.com/office/drawing/2014/main" id="{02E934C3-2C9D-4D16-A50C-F324838A6D8A}"/>
               </a:ext>
             </a:extLst>
           </p:cNvPr>
@@ -4839,7 +4839,7 @@
           <p:cNvPr id="3" name="Content Placeholder 2">
             <a:extLst>
               <a:ext uri="{FF2B5EF4-FFF2-40B4-BE49-F238E27FC236}">
-                <a16:creationId xmlns:a16="http://schemas.microsoft.com/office/drawing/2014/main" xmlns="" id="{8EA896FF-4275-4A0D-907C-2930EBAB3952}"/>
+                <a16:creationId xmlns:a16="http://schemas.microsoft.com/office/drawing/2014/main" id="{8EA896FF-4275-4A0D-907C-2930EBAB3952}"/>
               </a:ext>
             </a:extLst>
           </p:cNvPr>
@@ -5014,7 +5014,7 @@
           <p:cNvPr id="13" name="Group 12">
             <a:extLst>
               <a:ext uri="{FF2B5EF4-FFF2-40B4-BE49-F238E27FC236}">
-                <a16:creationId xmlns:a16="http://schemas.microsoft.com/office/drawing/2014/main" xmlns="" id="{C9086E5C-0270-45C9-ACF6-AD0559D215EF}"/>
+                <a16:creationId xmlns:a16="http://schemas.microsoft.com/office/drawing/2014/main" id="{C9086E5C-0270-45C9-ACF6-AD0559D215EF}"/>
               </a:ext>
             </a:extLst>
           </p:cNvPr>
@@ -5034,7 +5034,7 @@
             <p:cNvPr id="10" name="TextBox 9">
               <a:extLst>
                 <a:ext uri="{FF2B5EF4-FFF2-40B4-BE49-F238E27FC236}">
-                  <a16:creationId xmlns:a16="http://schemas.microsoft.com/office/drawing/2014/main" xmlns="" id="{7C4F50DD-9F38-4541-B918-3232622F6EC6}"/>
+                  <a16:creationId xmlns:a16="http://schemas.microsoft.com/office/drawing/2014/main" id="{7C4F50DD-9F38-4541-B918-3232622F6EC6}"/>
                 </a:ext>
               </a:extLst>
             </p:cNvPr>
@@ -5069,7 +5069,7 @@
             <p:cNvPr id="12" name="Group 11">
               <a:extLst>
                 <a:ext uri="{FF2B5EF4-FFF2-40B4-BE49-F238E27FC236}">
-                  <a16:creationId xmlns:a16="http://schemas.microsoft.com/office/drawing/2014/main" xmlns="" id="{A50A5B62-8DF2-4261-A583-DE8203B23ADF}"/>
+                  <a16:creationId xmlns:a16="http://schemas.microsoft.com/office/drawing/2014/main" id="{A50A5B62-8DF2-4261-A583-DE8203B23ADF}"/>
                 </a:ext>
               </a:extLst>
             </p:cNvPr>
@@ -5089,7 +5089,7 @@
               <p:cNvPr id="5" name="Picture 4">
                 <a:extLst>
                   <a:ext uri="{FF2B5EF4-FFF2-40B4-BE49-F238E27FC236}">
-                    <a16:creationId xmlns:a16="http://schemas.microsoft.com/office/drawing/2014/main" xmlns="" id="{DD06138C-D44D-4ABC-BBDD-3ACC5B7B7086}"/>
+                    <a16:creationId xmlns:a16="http://schemas.microsoft.com/office/drawing/2014/main" id="{DD06138C-D44D-4ABC-BBDD-3ACC5B7B7086}"/>
                   </a:ext>
                 </a:extLst>
               </p:cNvPr>
@@ -5119,7 +5119,7 @@
               <p:cNvPr id="11" name="Rectangle: Rounded Corners 10">
                 <a:extLst>
                   <a:ext uri="{FF2B5EF4-FFF2-40B4-BE49-F238E27FC236}">
-                    <a16:creationId xmlns:a16="http://schemas.microsoft.com/office/drawing/2014/main" xmlns="" id="{B90FC17B-8A82-4CBC-A328-60F70264A9B4}"/>
+                    <a16:creationId xmlns:a16="http://schemas.microsoft.com/office/drawing/2014/main" id="{B90FC17B-8A82-4CBC-A328-60F70264A9B4}"/>
                   </a:ext>
                 </a:extLst>
               </p:cNvPr>
@@ -5173,7 +5173,7 @@
           <p:cNvPr id="17" name="Group 16">
             <a:extLst>
               <a:ext uri="{FF2B5EF4-FFF2-40B4-BE49-F238E27FC236}">
-                <a16:creationId xmlns:a16="http://schemas.microsoft.com/office/drawing/2014/main" xmlns="" id="{28ED6CDA-25A2-4DBF-8DF9-A288C79F0BCB}"/>
+                <a16:creationId xmlns:a16="http://schemas.microsoft.com/office/drawing/2014/main" id="{28ED6CDA-25A2-4DBF-8DF9-A288C79F0BCB}"/>
               </a:ext>
             </a:extLst>
           </p:cNvPr>
@@ -5193,7 +5193,7 @@
             <p:cNvPr id="8" name="TextBox 7">
               <a:extLst>
                 <a:ext uri="{FF2B5EF4-FFF2-40B4-BE49-F238E27FC236}">
-                  <a16:creationId xmlns:a16="http://schemas.microsoft.com/office/drawing/2014/main" xmlns="" id="{C04AED0E-A7B7-4557-AD1F-A19DDD2352B7}"/>
+                  <a16:creationId xmlns:a16="http://schemas.microsoft.com/office/drawing/2014/main" id="{C04AED0E-A7B7-4557-AD1F-A19DDD2352B7}"/>
                 </a:ext>
               </a:extLst>
             </p:cNvPr>
@@ -5228,7 +5228,7 @@
             <p:cNvPr id="16" name="Group 15">
               <a:extLst>
                 <a:ext uri="{FF2B5EF4-FFF2-40B4-BE49-F238E27FC236}">
-                  <a16:creationId xmlns:a16="http://schemas.microsoft.com/office/drawing/2014/main" xmlns="" id="{175DC1FD-3933-4CD7-855C-CF0214EE8914}"/>
+                  <a16:creationId xmlns:a16="http://schemas.microsoft.com/office/drawing/2014/main" id="{175DC1FD-3933-4CD7-855C-CF0214EE8914}"/>
                 </a:ext>
               </a:extLst>
             </p:cNvPr>
@@ -5248,7 +5248,7 @@
               <p:cNvPr id="6" name="Picture 5">
                 <a:extLst>
                   <a:ext uri="{FF2B5EF4-FFF2-40B4-BE49-F238E27FC236}">
-                    <a16:creationId xmlns:a16="http://schemas.microsoft.com/office/drawing/2014/main" xmlns="" id="{AED30853-4D46-4CAF-BBB7-B140B9E07128}"/>
+                    <a16:creationId xmlns:a16="http://schemas.microsoft.com/office/drawing/2014/main" id="{AED30853-4D46-4CAF-BBB7-B140B9E07128}"/>
                   </a:ext>
                 </a:extLst>
               </p:cNvPr>
@@ -5277,7 +5277,7 @@
               <p:cNvPr id="14" name="Rectangle: Rounded Corners 13">
                 <a:extLst>
                   <a:ext uri="{FF2B5EF4-FFF2-40B4-BE49-F238E27FC236}">
-                    <a16:creationId xmlns:a16="http://schemas.microsoft.com/office/drawing/2014/main" xmlns="" id="{704395A0-4D19-499E-985A-51D8A934F946}"/>
+                    <a16:creationId xmlns:a16="http://schemas.microsoft.com/office/drawing/2014/main" id="{704395A0-4D19-499E-985A-51D8A934F946}"/>
                   </a:ext>
                 </a:extLst>
               </p:cNvPr>
@@ -5331,7 +5331,7 @@
           <p:cNvPr id="19" name="Group 18">
             <a:extLst>
               <a:ext uri="{FF2B5EF4-FFF2-40B4-BE49-F238E27FC236}">
-                <a16:creationId xmlns:a16="http://schemas.microsoft.com/office/drawing/2014/main" xmlns="" id="{23C7CDF6-3C93-4293-837B-468C9D06DFB5}"/>
+                <a16:creationId xmlns:a16="http://schemas.microsoft.com/office/drawing/2014/main" id="{23C7CDF6-3C93-4293-837B-468C9D06DFB5}"/>
               </a:ext>
             </a:extLst>
           </p:cNvPr>
@@ -5351,7 +5351,7 @@
             <p:cNvPr id="18" name="Group 17">
               <a:extLst>
                 <a:ext uri="{FF2B5EF4-FFF2-40B4-BE49-F238E27FC236}">
-                  <a16:creationId xmlns:a16="http://schemas.microsoft.com/office/drawing/2014/main" xmlns="" id="{2DB8658D-945D-42A0-9C41-B84DBE50AE55}"/>
+                  <a16:creationId xmlns:a16="http://schemas.microsoft.com/office/drawing/2014/main" id="{2DB8658D-945D-42A0-9C41-B84DBE50AE55}"/>
                 </a:ext>
               </a:extLst>
             </p:cNvPr>
@@ -5371,7 +5371,7 @@
               <p:cNvPr id="7" name="Picture 6">
                 <a:extLst>
                   <a:ext uri="{FF2B5EF4-FFF2-40B4-BE49-F238E27FC236}">
-                    <a16:creationId xmlns:a16="http://schemas.microsoft.com/office/drawing/2014/main" xmlns="" id="{8A337EE1-5C03-4C13-AC31-455CF12AAB3D}"/>
+                    <a16:creationId xmlns:a16="http://schemas.microsoft.com/office/drawing/2014/main" id="{8A337EE1-5C03-4C13-AC31-455CF12AAB3D}"/>
                   </a:ext>
                 </a:extLst>
               </p:cNvPr>
@@ -5400,7 +5400,7 @@
               <p:cNvPr id="9" name="TextBox 8">
                 <a:extLst>
                   <a:ext uri="{FF2B5EF4-FFF2-40B4-BE49-F238E27FC236}">
-                    <a16:creationId xmlns:a16="http://schemas.microsoft.com/office/drawing/2014/main" xmlns="" id="{BCA3C98E-38FC-4963-A608-C6C5437082B0}"/>
+                    <a16:creationId xmlns:a16="http://schemas.microsoft.com/office/drawing/2014/main" id="{BCA3C98E-38FC-4963-A608-C6C5437082B0}"/>
                   </a:ext>
                 </a:extLst>
               </p:cNvPr>
@@ -5436,7 +5436,7 @@
             <p:cNvPr id="15" name="Rectangle: Rounded Corners 14">
               <a:extLst>
                 <a:ext uri="{FF2B5EF4-FFF2-40B4-BE49-F238E27FC236}">
-                  <a16:creationId xmlns:a16="http://schemas.microsoft.com/office/drawing/2014/main" xmlns="" id="{3B336B81-115C-44AB-ABF4-B3D44E686BB6}"/>
+                  <a16:creationId xmlns:a16="http://schemas.microsoft.com/office/drawing/2014/main" id="{3B336B81-115C-44AB-ABF4-B3D44E686BB6}"/>
                 </a:ext>
               </a:extLst>
             </p:cNvPr>
@@ -6059,7 +6059,7 @@
           <p:cNvPr id="6" name="Title 5">
             <a:extLst>
               <a:ext uri="{FF2B5EF4-FFF2-40B4-BE49-F238E27FC236}">
-                <a16:creationId xmlns:a16="http://schemas.microsoft.com/office/drawing/2014/main" xmlns="" id="{C2B99157-DA0D-4841-A580-62EFB758DA8C}"/>
+                <a16:creationId xmlns:a16="http://schemas.microsoft.com/office/drawing/2014/main" id="{C2B99157-DA0D-4841-A580-62EFB758DA8C}"/>
               </a:ext>
             </a:extLst>
           </p:cNvPr>
@@ -6087,7 +6087,7 @@
           <p:cNvPr id="7" name="Content Placeholder 6">
             <a:extLst>
               <a:ext uri="{FF2B5EF4-FFF2-40B4-BE49-F238E27FC236}">
-                <a16:creationId xmlns:a16="http://schemas.microsoft.com/office/drawing/2014/main" xmlns="" id="{B3307B35-8D84-4BA2-8128-A71EB12F30AE}"/>
+                <a16:creationId xmlns:a16="http://schemas.microsoft.com/office/drawing/2014/main" id="{B3307B35-8D84-4BA2-8128-A71EB12F30AE}"/>
               </a:ext>
             </a:extLst>
           </p:cNvPr>
@@ -6101,7 +6101,7 @@
         <p:spPr/>
         <p:txBody>
           <a:bodyPr>
-            <a:normAutofit lnSpcReduction="10000"/>
+            <a:normAutofit fontScale="92500" lnSpcReduction="10000"/>
           </a:bodyPr>
           <a:lstStyle/>
           <a:p>
@@ -6118,7 +6118,19 @@
             </a:r>
             <a:r>
               <a:rPr lang="en-US" dirty="0"/>
-              <a:t> 	Please proceed to 02 	</a:t>
+              <a:t> </a:t>
+            </a:r>
+            <a:r>
+              <a:rPr lang="en-US"/>
+              <a:t>	</a:t>
+            </a:r>
+            <a:r>
+              <a:rPr lang="en-US" smtClean="0"/>
+              <a:t>	Please </a:t>
+            </a:r>
+            <a:r>
+              <a:rPr lang="en-US" dirty="0"/>
+              <a:t>proceed to 02 	</a:t>
             </a:r>
             <a:br>
               <a:rPr lang="en-US" dirty="0"/>
@@ -6234,8 +6246,76 @@
             </a:r>
             <a:r>
               <a:rPr lang="en-US" dirty="0"/>
-              <a:t> 	https://www.github.com/PhysiCell-Training/....</a:t>
-            </a:r>
+              <a:t> 	</a:t>
+            </a:r>
+            <a:r>
+              <a:rPr lang="en-US" dirty="0" smtClean="0"/>
+              <a:t>	</a:t>
+            </a:r>
+            <a:r>
+              <a:rPr lang="en-US" dirty="0" smtClean="0">
+                <a:hlinkClick r:id="rId2"/>
+              </a:rPr>
+              <a:t>https</a:t>
+            </a:r>
+            <a:r>
+              <a:rPr lang="en-US" dirty="0">
+                <a:hlinkClick r:id="rId2"/>
+              </a:rPr>
+              <a:t>://www.github.com/</a:t>
+            </a:r>
+            <a:r>
+              <a:rPr lang="en-US" dirty="0" err="1">
+                <a:hlinkClick r:id="rId2"/>
+              </a:rPr>
+              <a:t>PhysiCell</a:t>
+            </a:r>
+            <a:r>
+              <a:rPr lang="en-US" dirty="0">
+                <a:hlinkClick r:id="rId2"/>
+              </a:rPr>
+              <a:t>-Training</a:t>
+            </a:r>
+            <a:r>
+              <a:rPr lang="en-US" dirty="0" smtClean="0">
+                <a:hlinkClick r:id="rId2"/>
+              </a:rPr>
+              <a:t>/</a:t>
+            </a:r>
+            <a:r>
+              <a:rPr lang="en-US" dirty="0" smtClean="0"/>
+              <a:t>....</a:t>
+            </a:r>
+          </a:p>
+          <a:p>
+            <a:pPr marL="0" indent="0">
+              <a:buNone/>
+            </a:pPr>
+            <a:r>
+              <a:rPr lang="en-US" b="1" dirty="0" smtClean="0"/>
+              <a:t>More materials:</a:t>
+            </a:r>
+            <a:r>
+              <a:rPr lang="en-US" dirty="0" smtClean="0"/>
+              <a:t> 	</a:t>
+            </a:r>
+            <a:r>
+              <a:rPr lang="en-US" dirty="0">
+                <a:hlinkClick r:id="rId3"/>
+              </a:rPr>
+              <a:t>https://</a:t>
+            </a:r>
+            <a:r>
+              <a:rPr lang="en-US" dirty="0" smtClean="0">
+                <a:hlinkClick r:id="rId3"/>
+              </a:rPr>
+              <a:t>github.com/physicell-training/master-list</a:t>
+            </a:r>
+            <a:r>
+              <a:rPr lang="en-US" dirty="0" smtClean="0"/>
+              <a:t> </a:t>
+            </a:r>
+            <a:endParaRPr lang="en-US" dirty="0"/>
           </a:p>
         </p:txBody>
       </p:sp>
@@ -6274,7 +6354,7 @@
           <p:cNvPr id="2" name="Title 1">
             <a:extLst>
               <a:ext uri="{FF2B5EF4-FFF2-40B4-BE49-F238E27FC236}">
-                <a16:creationId xmlns:a16="http://schemas.microsoft.com/office/drawing/2014/main" xmlns="" id="{E62D0150-243D-484C-B3C5-3BEC33D63729}"/>
+                <a16:creationId xmlns:a16="http://schemas.microsoft.com/office/drawing/2014/main" id="{E62D0150-243D-484C-B3C5-3BEC33D63729}"/>
               </a:ext>
             </a:extLst>
           </p:cNvPr>
@@ -6291,9 +6371,10 @@
           <a:lstStyle/>
           <a:p>
             <a:r>
-              <a:rPr lang="en-US" dirty="0"/>
-              <a:t>Credits and acknowledgements</a:t>
-            </a:r>
+              <a:rPr lang="en-US" dirty="0" smtClean="0"/>
+              <a:t>Credits</a:t>
+            </a:r>
+            <a:endParaRPr lang="en-US" dirty="0"/>
           </a:p>
         </p:txBody>
       </p:sp>
@@ -6302,7 +6383,7 @@
           <p:cNvPr id="3" name="Content Placeholder 2">
             <a:extLst>
               <a:ext uri="{FF2B5EF4-FFF2-40B4-BE49-F238E27FC236}">
-                <a16:creationId xmlns:a16="http://schemas.microsoft.com/office/drawing/2014/main" xmlns="" id="{78ABF795-1A2F-4998-9877-A5DD4373521C}"/>
+                <a16:creationId xmlns:a16="http://schemas.microsoft.com/office/drawing/2014/main" id="{78ABF795-1A2F-4998-9877-A5DD4373521C}"/>
               </a:ext>
             </a:extLst>
           </p:cNvPr>
@@ -6547,7 +6628,7 @@
           <p:cNvPr id="4" name="Group 3">
             <a:extLst>
               <a:ext uri="{FF2B5EF4-FFF2-40B4-BE49-F238E27FC236}">
-                <a16:creationId xmlns:a16="http://schemas.microsoft.com/office/drawing/2014/main" xmlns="" id="{22174695-89D4-40D3-8FD9-E53B4CA5967B}"/>
+                <a16:creationId xmlns:a16="http://schemas.microsoft.com/office/drawing/2014/main" id="{22174695-89D4-40D3-8FD9-E53B4CA5967B}"/>
               </a:ext>
             </a:extLst>
           </p:cNvPr>
@@ -6567,7 +6648,7 @@
             <p:cNvPr id="5" name="Picture 4">
               <a:extLst>
                 <a:ext uri="{FF2B5EF4-FFF2-40B4-BE49-F238E27FC236}">
-                  <a16:creationId xmlns:a16="http://schemas.microsoft.com/office/drawing/2014/main" xmlns="" id="{A9CB15AE-9E04-4752-9F7A-E88C96D20BF7}"/>
+                  <a16:creationId xmlns:a16="http://schemas.microsoft.com/office/drawing/2014/main" id="{A9CB15AE-9E04-4752-9F7A-E88C96D20BF7}"/>
                 </a:ext>
               </a:extLst>
             </p:cNvPr>
@@ -6597,7 +6678,7 @@
             <p:cNvPr id="6" name="Picture 2" descr="https://sbtc.org/wp-content/uploads/2019/03/nci_case_logo_314056_284_5_v1-1200x600-1200x500.jpg">
               <a:extLst>
                 <a:ext uri="{FF2B5EF4-FFF2-40B4-BE49-F238E27FC236}">
-                  <a16:creationId xmlns:a16="http://schemas.microsoft.com/office/drawing/2014/main" xmlns="" id="{6F4A0FA6-7A66-4D0E-9B3D-0EEF8A0C563E}"/>
+                  <a16:creationId xmlns:a16="http://schemas.microsoft.com/office/drawing/2014/main" id="{6F4A0FA6-7A66-4D0E-9B3D-0EEF8A0C563E}"/>
                 </a:ext>
               </a:extLst>
             </p:cNvPr>
@@ -6642,7 +6723,7 @@
             <p:cNvPr id="7" name="Picture 4" descr="https://www.nsf.gov/images/logos/NSF_4-Color_bitmap_Logo.png">
               <a:extLst>
                 <a:ext uri="{FF2B5EF4-FFF2-40B4-BE49-F238E27FC236}">
-                  <a16:creationId xmlns:a16="http://schemas.microsoft.com/office/drawing/2014/main" xmlns="" id="{06FBA1A6-F77B-43D9-8E4D-307AF2C90044}"/>
+                  <a16:creationId xmlns:a16="http://schemas.microsoft.com/office/drawing/2014/main" id="{06FBA1A6-F77B-43D9-8E4D-307AF2C90044}"/>
                 </a:ext>
               </a:extLst>
             </p:cNvPr>
@@ -6689,7 +6770,7 @@
             <p:cNvPr id="8" name="Picture 2" descr="http://jktgfoundation.org/images/common/logo.jpg">
               <a:extLst>
                 <a:ext uri="{FF2B5EF4-FFF2-40B4-BE49-F238E27FC236}">
-                  <a16:creationId xmlns:a16="http://schemas.microsoft.com/office/drawing/2014/main" xmlns="" id="{17D8E991-8BCE-47B3-8B81-EBAD0454B8EA}"/>
+                  <a16:creationId xmlns:a16="http://schemas.microsoft.com/office/drawing/2014/main" id="{17D8E991-8BCE-47B3-8B81-EBAD0454B8EA}"/>
                 </a:ext>
               </a:extLst>
             </p:cNvPr>

--- a/pptx_source/01-What-you-need.pptx
+++ b/pptx_source/01-What-you-need.pptx
@@ -274,7 +274,7 @@
               <a:pPr>
                 <a:defRPr/>
               </a:pPr>
-              <a:t>11/11/2019</a:t>
+              <a:t>11/13/2019</a:t>
             </a:fld>
             <a:endParaRPr lang="en-US" dirty="0"/>
           </a:p>
@@ -3374,7 +3374,7 @@
               </a14:hiddenLine>
             </a:ext>
             <a:ext uri="{FAA26D3D-D897-4be2-8F04-BA451C77F1D7}">
-              <ma14:placeholderFlag xmlns="" xmlns:ma14="http://schemas.microsoft.com/office/mac/drawingml/2011/main" val="1"/>
+              <ma14:placeholderFlag xmlns:ma14="http://schemas.microsoft.com/office/mac/drawingml/2011/main" xmlns="" val="1"/>
             </a:ext>
           </a:extLst>
         </p:spPr>
@@ -4094,7 +4094,7 @@
             </a:r>
             <a:r>
               <a:rPr lang="en-US" sz="1800" dirty="0" smtClean="0"/>
-              <a:t>11, </a:t>
+              <a:t>13, </a:t>
             </a:r>
             <a:r>
               <a:rPr lang="en-US" sz="1800" dirty="0"/>
@@ -4124,7 +4124,7 @@
                 <a14:useLocalDpi xmlns:a14="http://schemas.microsoft.com/office/drawing/2010/main" val="0"/>
               </a:ext>
               <a:ext uri="{96DAC541-7B7A-43D3-8B79-37D633B846F1}">
-                <asvg:svgBlip xmlns="" xmlns:asvg="http://schemas.microsoft.com/office/drawing/2016/SVG/main" r:embed="rId3"/>
+                <asvg:svgBlip xmlns:asvg="http://schemas.microsoft.com/office/drawing/2016/SVG/main" xmlns="" r:embed="rId3"/>
               </a:ext>
             </a:extLst>
           </a:blip>
@@ -4210,6 +4210,30 @@
           <a:xfrm>
             <a:off x="137160" y="3429000"/>
             <a:ext cx="914400" cy="914400"/>
+          </a:xfrm>
+          <a:prstGeom prst="rect">
+            <a:avLst/>
+          </a:prstGeom>
+        </p:spPr>
+      </p:pic>
+      <p:pic>
+        <p:nvPicPr>
+          <p:cNvPr id="9" name="Picture 8"/>
+          <p:cNvPicPr>
+            <a:picLocks noChangeAspect="1"/>
+          </p:cNvPicPr>
+          <p:nvPr/>
+        </p:nvPicPr>
+        <p:blipFill>
+          <a:blip r:embed="rId6"/>
+          <a:stretch>
+            <a:fillRect/>
+          </a:stretch>
+        </p:blipFill>
+        <p:spPr>
+          <a:xfrm>
+            <a:off x="7589520" y="2880360"/>
+            <a:ext cx="1371600" cy="1371600"/>
           </a:xfrm>
           <a:prstGeom prst="rect">
             <a:avLst/>
@@ -6118,14 +6142,10 @@
             </a:r>
             <a:r>
               <a:rPr lang="en-US" dirty="0"/>
-              <a:t> </a:t>
-            </a:r>
-            <a:r>
-              <a:rPr lang="en-US"/>
-              <a:t>	</a:t>
-            </a:r>
-            <a:r>
-              <a:rPr lang="en-US" smtClean="0"/>
+              <a:t> 	</a:t>
+            </a:r>
+            <a:r>
+              <a:rPr lang="en-US" dirty="0" smtClean="0"/>
               <a:t>	Please </a:t>
             </a:r>
             <a:r>
@@ -6253,39 +6273,18 @@
               <a:t>	</a:t>
             </a:r>
             <a:r>
+              <a:rPr lang="en-US" dirty="0">
+                <a:hlinkClick r:id="rId2"/>
+              </a:rPr>
+              <a:t>https://</a:t>
+            </a:r>
+            <a:r>
               <a:rPr lang="en-US" dirty="0" smtClean="0">
                 <a:hlinkClick r:id="rId2"/>
               </a:rPr>
-              <a:t>https</a:t>
-            </a:r>
-            <a:r>
-              <a:rPr lang="en-US" dirty="0">
-                <a:hlinkClick r:id="rId2"/>
-              </a:rPr>
-              <a:t>://www.github.com/</a:t>
-            </a:r>
-            <a:r>
-              <a:rPr lang="en-US" dirty="0" err="1">
-                <a:hlinkClick r:id="rId2"/>
-              </a:rPr>
-              <a:t>PhysiCell</a:t>
-            </a:r>
-            <a:r>
-              <a:rPr lang="en-US" dirty="0">
-                <a:hlinkClick r:id="rId2"/>
-              </a:rPr>
-              <a:t>-Training</a:t>
-            </a:r>
-            <a:r>
-              <a:rPr lang="en-US" dirty="0" smtClean="0">
-                <a:hlinkClick r:id="rId2"/>
-              </a:rPr>
-              <a:t>/</a:t>
-            </a:r>
-            <a:r>
-              <a:rPr lang="en-US" dirty="0" smtClean="0"/>
-              <a:t>....</a:t>
-            </a:r>
+              <a:t>github.com/physicell-training/02-How-to-nanoHUB</a:t>
+            </a:r>
+            <a:endParaRPr lang="en-US" dirty="0" smtClean="0"/>
           </a:p>
           <a:p>
             <a:pPr marL="0" indent="0">
@@ -6293,7 +6292,11 @@
             </a:pPr>
             <a:r>
               <a:rPr lang="en-US" b="1" dirty="0" smtClean="0"/>
-              <a:t>More materials:</a:t>
+              <a:t>More </a:t>
+            </a:r>
+            <a:r>
+              <a:rPr lang="en-US" b="1" dirty="0" smtClean="0"/>
+              <a:t>materials:</a:t>
             </a:r>
             <a:r>
               <a:rPr lang="en-US" dirty="0" smtClean="0"/>

--- a/pptx_source/01-What-you-need.pptx
+++ b/pptx_source/01-What-you-need.pptx
@@ -3984,12 +3984,20 @@
           <a:lstStyle/>
           <a:p>
             <a:r>
+              <a:rPr lang="en-US" smtClean="0">
+                <a:solidFill>
+                  <a:schemeClr val="tx1"/>
+                </a:solidFill>
+              </a:rPr>
+              <a:t>Lesson </a:t>
+            </a:r>
+            <a:r>
               <a:rPr lang="en-US" dirty="0">
                 <a:solidFill>
                   <a:schemeClr val="tx1"/>
                 </a:solidFill>
               </a:rPr>
-              <a:t>Module 01:</a:t>
+              <a:t>01:</a:t>
             </a:r>
             <a:r>
               <a:rPr lang="en-US" dirty="0"/>
@@ -6292,11 +6300,7 @@
             </a:pPr>
             <a:r>
               <a:rPr lang="en-US" b="1" dirty="0" smtClean="0"/>
-              <a:t>More </a:t>
-            </a:r>
-            <a:r>
-              <a:rPr lang="en-US" b="1" dirty="0" smtClean="0"/>
-              <a:t>materials:</a:t>
+              <a:t>More materials:</a:t>
             </a:r>
             <a:r>
               <a:rPr lang="en-US" dirty="0" smtClean="0"/>

--- a/pptx_source/01-What-you-need.pptx
+++ b/pptx_source/01-What-you-need.pptx
@@ -3374,7 +3374,7 @@
               </a14:hiddenLine>
             </a:ext>
             <a:ext uri="{FAA26D3D-D897-4be2-8F04-BA451C77F1D7}">
-              <ma14:placeholderFlag xmlns:ma14="http://schemas.microsoft.com/office/mac/drawingml/2011/main" xmlns="" val="1"/>
+              <ma14:placeholderFlag xmlns="" xmlns:ma14="http://schemas.microsoft.com/office/mac/drawingml/2011/main" val="1"/>
             </a:ext>
           </a:extLst>
         </p:spPr>
@@ -3984,32 +3984,16 @@
           <a:lstStyle/>
           <a:p>
             <a:r>
-              <a:rPr lang="en-US" smtClean="0">
-                <a:solidFill>
-                  <a:schemeClr val="tx1"/>
-                </a:solidFill>
-              </a:rPr>
-              <a:t>Lesson </a:t>
-            </a:r>
-            <a:r>
               <a:rPr lang="en-US" dirty="0">
                 <a:solidFill>
                   <a:schemeClr val="tx1"/>
                 </a:solidFill>
               </a:rPr>
-              <a:t>01:</a:t>
-            </a:r>
-            <a:r>
-              <a:rPr lang="en-US" dirty="0"/>
-              <a:t> What you need </a:t>
-            </a:r>
-            <a:r>
-              <a:rPr lang="en-US" dirty="0" smtClean="0"/>
-              <a:t>to </a:t>
-            </a:r>
-            <a:r>
-              <a:rPr lang="en-US" dirty="0"/>
-              <a:t>code in PhysiCell</a:t>
+              <a:t>Lesson 1:</a:t>
+            </a:r>
+            <a:r>
+              <a:rPr lang="en-US" dirty="0"/>
+              <a:t> What you need to code in PhysiCell</a:t>
             </a:r>
           </a:p>
         </p:txBody>
@@ -4098,15 +4082,7 @@
             </a:r>
             <a:r>
               <a:rPr lang="en-US" sz="1800" dirty="0"/>
-              <a:t>: November </a:t>
-            </a:r>
-            <a:r>
-              <a:rPr lang="en-US" sz="1800" dirty="0" smtClean="0"/>
-              <a:t>13, </a:t>
-            </a:r>
-            <a:r>
-              <a:rPr lang="en-US" sz="1800" dirty="0"/>
-              <a:t>2019</a:t>
+              <a:t>: November 13, 2019</a:t>
             </a:r>
           </a:p>
         </p:txBody>
@@ -4132,7 +4108,7 @@
                 <a14:useLocalDpi xmlns:a14="http://schemas.microsoft.com/office/drawing/2010/main" val="0"/>
               </a:ext>
               <a:ext uri="{96DAC541-7B7A-43D3-8B79-37D633B846F1}">
-                <asvg:svgBlip xmlns:asvg="http://schemas.microsoft.com/office/drawing/2016/SVG/main" xmlns="" r:embed="rId3"/>
+                <asvg:svgBlip xmlns:asvg="http://schemas.microsoft.com/office/drawing/2016/SVG/main" r:embed="rId3"/>
               </a:ext>
             </a:extLst>
           </a:blip>
@@ -4173,7 +4149,7 @@
           <a:lstStyle/>
           <a:p>
             <a:r>
-              <a:rPr lang="en-US" b="1" dirty="0" smtClean="0"/>
+              <a:rPr lang="en-US" b="1" dirty="0"/>
               <a:t>Slides, videos, links and more:</a:t>
             </a:r>
           </a:p>
@@ -4182,15 +4158,9 @@
               <a:rPr lang="en-US" dirty="0">
                 <a:hlinkClick r:id="rId4"/>
               </a:rPr>
-              <a:t>https://</a:t>
-            </a:r>
-            <a:r>
-              <a:rPr lang="en-US" dirty="0" smtClean="0">
-                <a:hlinkClick r:id="rId4"/>
-              </a:rPr>
-              <a:t>github.com/physicell-training/01-Welcome-to-training</a:t>
-            </a:r>
-            <a:endParaRPr lang="en-US" dirty="0" smtClean="0"/>
+              <a:t>https://github.com/physicell-training/01-Welcome-to-training</a:t>
+            </a:r>
+            <a:endParaRPr lang="en-US" dirty="0"/>
           </a:p>
         </p:txBody>
       </p:sp>
@@ -4258,13 +4228,6 @@
   <p:clrMapOvr>
     <a:masterClrMapping/>
   </p:clrMapOvr>
-  <p:timing>
-    <p:tnLst>
-      <p:par>
-        <p:cTn id="1" dur="indefinite" restart="never" nodeType="tmRoot"/>
-      </p:par>
-    </p:tnLst>
-  </p:timing>
 </p:sld>
 </file>
 
@@ -4301,10 +4264,9 @@
           <a:lstStyle/>
           <a:p>
             <a:r>
-              <a:rPr lang="en-US" dirty="0" smtClean="0"/>
+              <a:rPr lang="en-US" dirty="0"/>
               <a:t>PhysiCell is a C++ toolkit</a:t>
             </a:r>
-            <a:endParaRPr lang="en-US" dirty="0"/>
           </a:p>
         </p:txBody>
       </p:sp>
@@ -4324,7 +4286,7 @@
           <a:lstStyle/>
           <a:p>
             <a:r>
-              <a:rPr lang="en-US" dirty="0" smtClean="0"/>
+              <a:rPr lang="en-US" dirty="0"/>
               <a:t>To actively develop PhysiCell models, you will need an appropriate C++ development environment.</a:t>
             </a:r>
           </a:p>
@@ -4333,7 +4295,7 @@
           </a:p>
           <a:p>
             <a:r>
-              <a:rPr lang="en-US" dirty="0" smtClean="0"/>
+              <a:rPr lang="en-US" dirty="0"/>
               <a:t>For models that aren't shared as cloud-hosted simulators, running PhysiCell-based projects requires compiling and running C++ codes.</a:t>
             </a:r>
           </a:p>
@@ -4342,10 +4304,9 @@
           </a:p>
           <a:p>
             <a:r>
-              <a:rPr lang="en-US" dirty="0" smtClean="0"/>
+              <a:rPr lang="en-US" dirty="0"/>
               <a:t>This module will help you create your own 64-bit C++ development environment. </a:t>
             </a:r>
-            <a:endParaRPr lang="en-US" dirty="0"/>
           </a:p>
         </p:txBody>
       </p:sp>
@@ -4459,7 +4420,6 @@
               <a:rPr lang="en-US" dirty="0"/>
               <a:t>Ideal for long-term development </a:t>
             </a:r>
-            <a:endParaRPr lang="en-US" dirty="0" smtClean="0"/>
           </a:p>
           <a:p>
             <a:pPr lvl="1"/>
@@ -4468,13 +4428,8 @@
           <a:p>
             <a:r>
               <a:rPr lang="en-US" b="1" dirty="0"/>
-              <a:t>Cloud-hosted </a:t>
-            </a:r>
-            <a:r>
-              <a:rPr lang="en-US" b="1" dirty="0" smtClean="0"/>
-              <a:t>environment on nanoHUB.org </a:t>
-            </a:r>
-            <a:endParaRPr lang="en-US" b="1" dirty="0"/>
+              <a:t>Cloud-hosted environment on nanoHUB.org </a:t>
+            </a:r>
           </a:p>
           <a:p>
             <a:pPr lvl="1"/>
@@ -4491,20 +4446,12 @@
             </a:r>
           </a:p>
           <a:p>
-            <a:endParaRPr lang="en-US" dirty="0" smtClean="0"/>
-          </a:p>
-          <a:p>
-            <a:r>
-              <a:rPr lang="en-US" b="1" dirty="0" smtClean="0"/>
-              <a:t>Virtual </a:t>
-            </a:r>
+            <a:endParaRPr lang="en-US" dirty="0"/>
+          </a:p>
+          <a:p>
             <a:r>
               <a:rPr lang="en-US" b="1" dirty="0"/>
-              <a:t>appliance </a:t>
-            </a:r>
-            <a:r>
-              <a:rPr lang="en-US" b="1" dirty="0" smtClean="0"/>
-              <a:t>(no longer supported)</a:t>
+              <a:t>Virtual appliance (no longer supported)</a:t>
             </a:r>
             <a:endParaRPr lang="en-US" dirty="0"/>
           </a:p>
@@ -5562,10 +5509,9 @@
           <a:lstStyle/>
           <a:p>
             <a:r>
-              <a:rPr lang="en-US" dirty="0" smtClean="0"/>
+              <a:rPr lang="en-US" dirty="0"/>
               <a:t>Cloud-hosted environment (1)</a:t>
             </a:r>
-            <a:endParaRPr lang="en-US" dirty="0"/>
           </a:p>
         </p:txBody>
       </p:sp>
@@ -5587,33 +5533,33 @@
           <a:lstStyle/>
           <a:p>
             <a:r>
-              <a:rPr lang="en-US" dirty="0" err="1" smtClean="0"/>
+              <a:rPr lang="en-US" dirty="0" err="1"/>
               <a:t>nanoHUB</a:t>
             </a:r>
             <a:r>
-              <a:rPr lang="en-US" dirty="0" smtClean="0"/>
+              <a:rPr lang="en-US" dirty="0"/>
               <a:t> created the </a:t>
             </a:r>
             <a:r>
-              <a:rPr lang="en-US" b="1" dirty="0" smtClean="0"/>
+              <a:rPr lang="en-US" b="1" dirty="0"/>
               <a:t>workspace </a:t>
             </a:r>
             <a:r>
-              <a:rPr lang="en-US" dirty="0" smtClean="0"/>
+              <a:rPr lang="en-US" dirty="0"/>
               <a:t>tool to allow online development</a:t>
             </a:r>
           </a:p>
           <a:p>
             <a:r>
-              <a:rPr lang="en-US" dirty="0" smtClean="0"/>
+              <a:rPr lang="en-US" dirty="0"/>
               <a:t>We created a specialized </a:t>
             </a:r>
             <a:r>
-              <a:rPr lang="en-US" i="1" dirty="0" smtClean="0"/>
+              <a:rPr lang="en-US" i="1" dirty="0"/>
               <a:t>PhysiCell </a:t>
             </a:r>
             <a:r>
-              <a:rPr lang="en-US" dirty="0" smtClean="0"/>
+              <a:rPr lang="en-US" dirty="0"/>
               <a:t>environment in workspace</a:t>
             </a:r>
           </a:p>
@@ -5654,11 +5600,11 @@
               <a:buAutoNum type="arabicPeriod"/>
             </a:pPr>
             <a:r>
-              <a:rPr lang="en-US" dirty="0" smtClean="0"/>
+              <a:rPr lang="en-US" dirty="0"/>
               <a:t>Go to the workspace tool:</a:t>
             </a:r>
             <a:br>
-              <a:rPr lang="en-US" dirty="0" smtClean="0"/>
+              <a:rPr lang="en-US" dirty="0"/>
             </a:br>
             <a:r>
               <a:rPr lang="en-US" dirty="0">
@@ -5666,7 +5612,7 @@
               </a:rPr>
               <a:t>http://nanohub.org/tools/workspace</a:t>
             </a:r>
-            <a:endParaRPr lang="en-US" dirty="0" smtClean="0"/>
+            <a:endParaRPr lang="en-US" dirty="0"/>
           </a:p>
           <a:p>
             <a:pPr marL="342900" indent="-282575">
@@ -5674,7 +5620,7 @@
               <a:buAutoNum type="arabicPeriod"/>
             </a:pPr>
             <a:r>
-              <a:rPr lang="en-US" dirty="0" smtClean="0"/>
+              <a:rPr lang="en-US" dirty="0"/>
               <a:t>Start the tool</a:t>
             </a:r>
           </a:p>
@@ -5684,23 +5630,23 @@
               <a:buAutoNum type="arabicPeriod"/>
             </a:pPr>
             <a:r>
-              <a:rPr lang="en-US" dirty="0" smtClean="0"/>
+              <a:rPr lang="en-US" dirty="0"/>
               <a:t>Select the </a:t>
             </a:r>
             <a:r>
-              <a:rPr lang="en-US" dirty="0" err="1" smtClean="0"/>
+              <a:rPr lang="en-US" dirty="0" err="1"/>
               <a:t>physicell</a:t>
             </a:r>
             <a:r>
-              <a:rPr lang="en-US" dirty="0" smtClean="0"/>
+              <a:rPr lang="en-US" dirty="0"/>
               <a:t> environment using "</a:t>
             </a:r>
             <a:r>
-              <a:rPr lang="en-US" dirty="0" err="1" smtClean="0"/>
+              <a:rPr lang="en-US" dirty="0" err="1"/>
               <a:t>chuse</a:t>
             </a:r>
             <a:r>
-              <a:rPr lang="en-US" dirty="0" smtClean="0"/>
+              <a:rPr lang="en-US" dirty="0"/>
               <a:t>" </a:t>
             </a:r>
           </a:p>
@@ -5710,7 +5656,7 @@
               <a:buAutoNum type="alphaLcPeriod"/>
             </a:pPr>
             <a:r>
-              <a:rPr lang="en-US" dirty="0" smtClean="0"/>
+              <a:rPr lang="en-US" dirty="0"/>
               <a:t>Right-click the desktop</a:t>
             </a:r>
           </a:p>
@@ -5720,15 +5666,15 @@
               <a:buAutoNum type="alphaLcPeriod"/>
             </a:pPr>
             <a:r>
-              <a:rPr lang="en-US" dirty="0" smtClean="0"/>
+              <a:rPr lang="en-US" dirty="0"/>
               <a:t>Select "</a:t>
             </a:r>
             <a:r>
-              <a:rPr lang="en-US" dirty="0" err="1" smtClean="0"/>
+              <a:rPr lang="en-US" dirty="0" err="1"/>
               <a:t>chuse</a:t>
             </a:r>
             <a:r>
-              <a:rPr lang="en-US" dirty="0" smtClean="0"/>
+              <a:rPr lang="en-US" dirty="0"/>
               <a:t>" </a:t>
             </a:r>
           </a:p>
@@ -5738,15 +5684,15 @@
               <a:buAutoNum type="alphaLcPeriod"/>
             </a:pPr>
             <a:r>
-              <a:rPr lang="en-US" dirty="0" smtClean="0"/>
+              <a:rPr lang="en-US" dirty="0"/>
               <a:t>Type "</a:t>
             </a:r>
             <a:r>
-              <a:rPr lang="en-US" dirty="0" err="1" smtClean="0"/>
+              <a:rPr lang="en-US" dirty="0" err="1"/>
               <a:t>physicell</a:t>
             </a:r>
             <a:r>
-              <a:rPr lang="en-US" dirty="0" smtClean="0"/>
+              <a:rPr lang="en-US" dirty="0"/>
               <a:t>" in the bottom search bar</a:t>
             </a:r>
           </a:p>
@@ -5756,15 +5702,15 @@
               <a:buAutoNum type="alphaLcPeriod"/>
             </a:pPr>
             <a:r>
-              <a:rPr lang="en-US" dirty="0" smtClean="0"/>
+              <a:rPr lang="en-US" dirty="0"/>
               <a:t>Select </a:t>
             </a:r>
             <a:r>
-              <a:rPr lang="en-US" dirty="0" err="1" smtClean="0"/>
+              <a:rPr lang="en-US" dirty="0" err="1"/>
               <a:t>physicell-x.y.z</a:t>
             </a:r>
             <a:r>
-              <a:rPr lang="en-US" dirty="0" smtClean="0"/>
+              <a:rPr lang="en-US" dirty="0"/>
               <a:t> (currently 1.1.1)</a:t>
             </a:r>
           </a:p>
@@ -5774,23 +5720,23 @@
               <a:buAutoNum type="alphaLcPeriod"/>
             </a:pPr>
             <a:r>
-              <a:rPr lang="en-US" dirty="0" smtClean="0"/>
+              <a:rPr lang="en-US" dirty="0"/>
               <a:t>close </a:t>
             </a:r>
             <a:r>
-              <a:rPr lang="en-US" dirty="0" err="1" smtClean="0"/>
+              <a:rPr lang="en-US" dirty="0" err="1"/>
               <a:t>chuse</a:t>
             </a:r>
             <a:r>
-              <a:rPr lang="en-US" dirty="0" smtClean="0"/>
+              <a:rPr lang="en-US" dirty="0"/>
               <a:t> and all </a:t>
             </a:r>
             <a:r>
-              <a:rPr lang="en-US" dirty="0" err="1" smtClean="0"/>
+              <a:rPr lang="en-US" dirty="0" err="1"/>
               <a:t>xterm</a:t>
             </a:r>
             <a:r>
-              <a:rPr lang="en-US" dirty="0" smtClean="0"/>
+              <a:rPr lang="en-US" dirty="0"/>
               <a:t> windows</a:t>
             </a:r>
           </a:p>
@@ -5800,15 +5746,15 @@
               <a:buAutoNum type="alphaLcPeriod"/>
             </a:pPr>
             <a:r>
-              <a:rPr lang="en-US" dirty="0" smtClean="0"/>
+              <a:rPr lang="en-US" dirty="0"/>
               <a:t>open a new </a:t>
             </a:r>
             <a:r>
-              <a:rPr lang="en-US" dirty="0" err="1" smtClean="0"/>
+              <a:rPr lang="en-US" dirty="0" err="1"/>
               <a:t>xterm</a:t>
             </a:r>
             <a:r>
-              <a:rPr lang="en-US" dirty="0" smtClean="0"/>
+              <a:rPr lang="en-US" dirty="0"/>
               <a:t> window, and get PhysiCell by typing "get_PhysiCell.sh" and follow the prompts</a:t>
             </a:r>
           </a:p>
@@ -5817,21 +5763,21 @@
               <a:buFont typeface="+mj-lt"/>
               <a:buAutoNum type="arabicPeriod"/>
             </a:pPr>
-            <a:endParaRPr lang="en-US" dirty="0" smtClean="0"/>
+            <a:endParaRPr lang="en-US" dirty="0"/>
           </a:p>
           <a:p>
             <a:pPr marL="457200" indent="-457200">
               <a:buFont typeface="+mj-lt"/>
               <a:buAutoNum type="arabicPeriod"/>
             </a:pPr>
-            <a:endParaRPr lang="en-US" dirty="0" smtClean="0"/>
+            <a:endParaRPr lang="en-US" dirty="0"/>
           </a:p>
           <a:p>
             <a:pPr marL="457200" indent="-457200">
               <a:buFont typeface="+mj-lt"/>
               <a:buAutoNum type="arabicPeriod"/>
             </a:pPr>
-            <a:endParaRPr lang="en-US" dirty="0" smtClean="0"/>
+            <a:endParaRPr lang="en-US" dirty="0"/>
           </a:p>
         </p:txBody>
       </p:sp>
@@ -5905,10 +5851,9 @@
           <a:lstStyle/>
           <a:p>
             <a:r>
-              <a:rPr lang="en-US" dirty="0" smtClean="0"/>
+              <a:rPr lang="en-US" dirty="0"/>
               <a:t>Cloud-hosted environment (2)</a:t>
             </a:r>
-            <a:endParaRPr lang="en-US" dirty="0"/>
           </a:p>
         </p:txBody>
       </p:sp>
@@ -5930,39 +5875,39 @@
           <a:lstStyle/>
           <a:p>
             <a:r>
-              <a:rPr lang="en-US" dirty="0" smtClean="0"/>
+              <a:rPr lang="en-US" dirty="0"/>
               <a:t>After running the script, you have a full Linux-based dev 	environment: </a:t>
             </a:r>
           </a:p>
           <a:p>
             <a:pPr lvl="1"/>
             <a:r>
-              <a:rPr lang="en-US" dirty="0" smtClean="0"/>
+              <a:rPr lang="en-US" dirty="0"/>
               <a:t>Latest PhysiCell is in ~/PhysiCell</a:t>
             </a:r>
           </a:p>
           <a:p>
             <a:pPr lvl="1"/>
-            <a:endParaRPr lang="en-US" dirty="0" smtClean="0"/>
+            <a:endParaRPr lang="en-US" dirty="0"/>
           </a:p>
           <a:p>
             <a:pPr lvl="1"/>
             <a:r>
-              <a:rPr lang="en-US" dirty="0" smtClean="0"/>
+              <a:rPr lang="en-US" dirty="0"/>
               <a:t>Also installed: </a:t>
             </a:r>
           </a:p>
           <a:p>
             <a:pPr lvl="2"/>
             <a:r>
-              <a:rPr lang="en-US" dirty="0" smtClean="0"/>
+              <a:rPr lang="en-US" dirty="0"/>
               <a:t>64-bit g++ with </a:t>
             </a:r>
             <a:r>
-              <a:rPr lang="en-US" dirty="0" err="1" smtClean="0"/>
+              <a:rPr lang="en-US" dirty="0" err="1"/>
               <a:t>OpenMP</a:t>
             </a:r>
-            <a:endParaRPr lang="en-US" dirty="0" smtClean="0"/>
+            <a:endParaRPr lang="en-US" dirty="0"/>
           </a:p>
           <a:p>
             <a:pPr lvl="2"/>
@@ -5974,85 +5919,85 @@
           <a:p>
             <a:pPr lvl="2"/>
             <a:r>
-              <a:rPr lang="en-US" dirty="0" err="1" smtClean="0"/>
+              <a:rPr lang="en-US" dirty="0" err="1"/>
               <a:t>ImageMagick</a:t>
             </a:r>
             <a:r>
-              <a:rPr lang="en-US" dirty="0" smtClean="0"/>
+              <a:rPr lang="en-US" dirty="0"/>
               <a:t> 	(to batch edit images) </a:t>
             </a:r>
           </a:p>
           <a:p>
             <a:pPr lvl="2"/>
             <a:r>
-              <a:rPr lang="en-US" dirty="0" err="1" smtClean="0"/>
+              <a:rPr lang="en-US" dirty="0" err="1"/>
               <a:t>geany</a:t>
             </a:r>
             <a:r>
-              <a:rPr lang="en-US" dirty="0" smtClean="0"/>
+              <a:rPr lang="en-US" dirty="0"/>
               <a:t> 		(text editor)</a:t>
             </a:r>
           </a:p>
           <a:p>
             <a:pPr lvl="2"/>
             <a:r>
-              <a:rPr lang="en-US" dirty="0" err="1" smtClean="0"/>
+              <a:rPr lang="en-US" dirty="0" err="1"/>
               <a:t>gedit</a:t>
             </a:r>
             <a:r>
-              <a:rPr lang="en-US" dirty="0" smtClean="0"/>
+              <a:rPr lang="en-US" dirty="0"/>
               <a:t> 		(text editor)</a:t>
             </a:r>
           </a:p>
           <a:p>
             <a:pPr lvl="2"/>
             <a:r>
-              <a:rPr lang="en-US" dirty="0" smtClean="0"/>
+              <a:rPr lang="en-US" dirty="0"/>
               <a:t>nautilus 		(file browser)</a:t>
             </a:r>
           </a:p>
           <a:p>
             <a:pPr lvl="2"/>
             <a:r>
-              <a:rPr lang="en-US" dirty="0" smtClean="0"/>
+              <a:rPr lang="en-US" dirty="0"/>
               <a:t>mirage 		(to view images) </a:t>
             </a:r>
           </a:p>
           <a:p>
             <a:pPr lvl="2"/>
             <a:r>
-              <a:rPr lang="en-US" dirty="0" err="1" smtClean="0"/>
+              <a:rPr lang="en-US" dirty="0" err="1"/>
               <a:t>mplayer</a:t>
             </a:r>
             <a:r>
-              <a:rPr lang="en-US" dirty="0" smtClean="0"/>
+              <a:rPr lang="en-US" dirty="0"/>
               <a:t> 		(to play videos)</a:t>
             </a:r>
           </a:p>
           <a:p>
             <a:pPr lvl="2"/>
             <a:r>
-              <a:rPr lang="en-US" dirty="0" err="1" smtClean="0"/>
+              <a:rPr lang="en-US" dirty="0" err="1"/>
               <a:t>povray</a:t>
             </a:r>
             <a:r>
-              <a:rPr lang="en-US" dirty="0" smtClean="0"/>
+              <a:rPr lang="en-US" dirty="0"/>
               <a:t> 		(for 3D raytracing)</a:t>
             </a:r>
           </a:p>
           <a:p>
             <a:pPr lvl="2"/>
-            <a:endParaRPr lang="en-US" dirty="0" smtClean="0"/>
+            <a:endParaRPr lang="en-US" dirty="0"/>
           </a:p>
           <a:p>
             <a:pPr lvl="1"/>
-            <a:endParaRPr lang="en-US" dirty="0" smtClean="0"/>
-          </a:p>
-          <a:p>
             <a:endParaRPr lang="en-US" dirty="0"/>
           </a:p>
           <a:p>
-            <a:endParaRPr lang="en-US" dirty="0" smtClean="0"/>
+            <a:endParaRPr lang="en-US" dirty="0"/>
+          </a:p>
+          <a:p>
+            <a:endParaRPr lang="en-US" dirty="0"/>
           </a:p>
         </p:txBody>
       </p:sp>
@@ -6133,12 +6078,15 @@
         <p:spPr/>
         <p:txBody>
           <a:bodyPr>
-            <a:normAutofit fontScale="92500" lnSpcReduction="10000"/>
+            <a:normAutofit fontScale="92500"/>
           </a:bodyPr>
           <a:lstStyle/>
           <a:p>
             <a:pPr marL="0" indent="0">
               <a:buNone/>
+              <a:tabLst>
+                <a:tab pos="1828800" algn="l"/>
+              </a:tabLst>
             </a:pPr>
             <a:r>
               <a:rPr lang="en-US" b="1" dirty="0">
@@ -6150,22 +6098,7 @@
             </a:r>
             <a:r>
               <a:rPr lang="en-US" dirty="0"/>
-              <a:t> 	</a:t>
-            </a:r>
-            <a:r>
-              <a:rPr lang="en-US" dirty="0" smtClean="0"/>
-              <a:t>	Please </a:t>
-            </a:r>
-            <a:r>
-              <a:rPr lang="en-US" dirty="0"/>
-              <a:t>proceed to 02 	</a:t>
-            </a:r>
-            <a:br>
-              <a:rPr lang="en-US" dirty="0"/>
-            </a:br>
-            <a:r>
-              <a:rPr lang="en-US" dirty="0"/>
-              <a:t>			(How to use a PhysiCell App on </a:t>
+              <a:t> 	Please proceed to 2 (How to use a PhysiCell App on </a:t>
             </a:r>
             <a:r>
               <a:rPr lang="en-US" dirty="0" err="1"/>
@@ -6175,13 +6108,39 @@
               <a:rPr lang="en-US" dirty="0"/>
               <a:t>)</a:t>
             </a:r>
-          </a:p>
-          <a:p>
+            <a:br>
+              <a:rPr lang="en-US" dirty="0"/>
+            </a:br>
+            <a:r>
+              <a:rPr lang="en-US" b="1" dirty="0"/>
+              <a:t>link:</a:t>
+            </a:r>
+            <a:r>
+              <a:rPr lang="en-US" dirty="0"/>
+              <a:t> 	</a:t>
+            </a:r>
+            <a:r>
+              <a:rPr lang="en-US" dirty="0">
+                <a:hlinkClick r:id="rId2"/>
+              </a:rPr>
+              <a:t>https://github.com/physicell-training/02-How-to-nanoHUB</a:t>
+            </a:r>
+            <a:endParaRPr lang="en-US" dirty="0"/>
+          </a:p>
+          <a:p>
+            <a:pPr>
+              <a:tabLst>
+                <a:tab pos="1828800" algn="l"/>
+              </a:tabLst>
+            </a:pPr>
             <a:endParaRPr lang="en-US" dirty="0"/>
           </a:p>
           <a:p>
             <a:pPr marL="0" indent="0">
               <a:buNone/>
+              <a:tabLst>
+                <a:tab pos="1828800" algn="l"/>
+              </a:tabLst>
             </a:pPr>
             <a:r>
               <a:rPr lang="en-US" b="1" dirty="0">
@@ -6191,28 +6150,11 @@
                   </a:schemeClr>
                 </a:solidFill>
               </a:rPr>
-              <a:t>Intermediate:</a:t>
-            </a:r>
-            <a:r>
-              <a:rPr lang="en-US" dirty="0">
-                <a:solidFill>
-                  <a:schemeClr val="accent2">
-                    <a:lumMod val="75000"/>
-                  </a:schemeClr>
-                </a:solidFill>
-              </a:rPr>
-              <a:t> </a:t>
-            </a:r>
-            <a:r>
-              <a:rPr lang="en-US" dirty="0"/>
-              <a:t>	Please proceed to 02</a:t>
-            </a:r>
-            <a:br>
-              <a:rPr lang="en-US" dirty="0"/>
-            </a:br>
-            <a:r>
-              <a:rPr lang="en-US" dirty="0"/>
-              <a:t>			(How to use a PhysiCell App on </a:t>
+              <a:t>Intermediate: 	</a:t>
+            </a:r>
+            <a:r>
+              <a:rPr lang="en-US" dirty="0"/>
+              <a:t>Please proceed to 2 (How to use a PhysiCell App on </a:t>
             </a:r>
             <a:r>
               <a:rPr lang="en-US" dirty="0" err="1"/>
@@ -6222,13 +6164,39 @@
               <a:rPr lang="en-US" dirty="0"/>
               <a:t>)</a:t>
             </a:r>
-          </a:p>
-          <a:p>
+            <a:br>
+              <a:rPr lang="en-US" dirty="0"/>
+            </a:br>
+            <a:r>
+              <a:rPr lang="en-US" b="1" dirty="0"/>
+              <a:t>link:</a:t>
+            </a:r>
+            <a:r>
+              <a:rPr lang="en-US" dirty="0"/>
+              <a:t> 	</a:t>
+            </a:r>
+            <a:r>
+              <a:rPr lang="en-US" dirty="0">
+                <a:hlinkClick r:id="rId2"/>
+              </a:rPr>
+              <a:t>https://github.com/physicell-training/02-How-to-nanoHUB</a:t>
+            </a:r>
+            <a:endParaRPr lang="en-US" dirty="0"/>
+          </a:p>
+          <a:p>
+            <a:pPr>
+              <a:tabLst>
+                <a:tab pos="1828800" algn="l"/>
+              </a:tabLst>
+            </a:pPr>
             <a:endParaRPr lang="en-US" dirty="0"/>
           </a:p>
           <a:p>
             <a:pPr marL="0" indent="0">
               <a:buNone/>
+              <a:tabLst>
+                <a:tab pos="1828800" algn="l"/>
+              </a:tabLst>
             </a:pPr>
             <a:r>
               <a:rPr lang="en-US" b="1" dirty="0">
@@ -6236,18 +6204,11 @@
                   <a:srgbClr val="00B050"/>
                 </a:solidFill>
               </a:rPr>
-              <a:t>Full training:</a:t>
-            </a:r>
-            <a:r>
-              <a:rPr lang="en-US" dirty="0"/>
-              <a:t> 	Please proceed to 02</a:t>
-            </a:r>
-            <a:br>
-              <a:rPr lang="en-US" dirty="0"/>
-            </a:br>
-            <a:r>
-              <a:rPr lang="en-US" dirty="0"/>
-              <a:t>			(How to use a PhysiCell App on </a:t>
+              <a:t>Full Training: 	</a:t>
+            </a:r>
+            <a:r>
+              <a:rPr lang="en-US" dirty="0"/>
+              <a:t>Please proceed to 2 (How to use a PhysiCell App on </a:t>
             </a:r>
             <a:r>
               <a:rPr lang="en-US" dirty="0" err="1"/>
@@ -6257,17 +6218,9 @@
               <a:rPr lang="en-US" dirty="0"/>
               <a:t>)</a:t>
             </a:r>
-          </a:p>
-          <a:p>
-            <a:pPr marL="0" indent="0">
-              <a:buNone/>
-            </a:pPr>
-            <a:endParaRPr lang="en-US" b="1" dirty="0"/>
-          </a:p>
-          <a:p>
-            <a:pPr marL="0" indent="0">
-              <a:buNone/>
-            </a:pPr>
+            <a:br>
+              <a:rPr lang="en-US" dirty="0"/>
+            </a:br>
             <a:r>
               <a:rPr lang="en-US" b="1" dirty="0"/>
               <a:t>link:</a:t>
@@ -6275,54 +6228,55 @@
             <a:r>
               <a:rPr lang="en-US" dirty="0"/>
               <a:t> 	</a:t>
-            </a:r>
-            <a:r>
-              <a:rPr lang="en-US" dirty="0" smtClean="0"/>
-              <a:t>	</a:t>
             </a:r>
             <a:r>
               <a:rPr lang="en-US" dirty="0">
                 <a:hlinkClick r:id="rId2"/>
               </a:rPr>
-              <a:t>https://</a:t>
-            </a:r>
-            <a:r>
-              <a:rPr lang="en-US" dirty="0" smtClean="0">
-                <a:hlinkClick r:id="rId2"/>
-              </a:rPr>
-              <a:t>github.com/physicell-training/02-How-to-nanoHUB</a:t>
-            </a:r>
-            <a:endParaRPr lang="en-US" dirty="0" smtClean="0"/>
+              <a:t>https://github.com/physicell-training/02-How-to-nanoHUB</a:t>
+            </a:r>
+            <a:endParaRPr lang="en-US" dirty="0"/>
           </a:p>
           <a:p>
             <a:pPr marL="0" indent="0">
               <a:buNone/>
+              <a:tabLst>
+                <a:tab pos="1828800" algn="l"/>
+              </a:tabLst>
             </a:pPr>
-            <a:r>
-              <a:rPr lang="en-US" b="1" dirty="0" smtClean="0"/>
-              <a:t>More materials:</a:t>
-            </a:r>
-            <a:r>
-              <a:rPr lang="en-US" dirty="0" smtClean="0"/>
-              <a:t> 	</a:t>
+            <a:endParaRPr lang="en-US" b="1" dirty="0"/>
+          </a:p>
+          <a:p>
+            <a:pPr marL="0" indent="0">
+              <a:buNone/>
+              <a:tabLst>
+                <a:tab pos="1828800" algn="l"/>
+              </a:tabLst>
+            </a:pPr>
+            <a:r>
+              <a:rPr lang="en-US" b="1" dirty="0"/>
+              <a:t>More </a:t>
+            </a:r>
+            <a:r>
+              <a:rPr lang="en-US" b="1"/>
+              <a:t>lessons: </a:t>
+            </a:r>
+            <a:r>
+              <a:rPr lang="en-US">
+                <a:hlinkClick r:id="rId3"/>
+              </a:rPr>
+              <a:t>https</a:t>
             </a:r>
             <a:r>
               <a:rPr lang="en-US" dirty="0">
                 <a:hlinkClick r:id="rId3"/>
               </a:rPr>
-              <a:t>https://</a:t>
-            </a:r>
-            <a:r>
-              <a:rPr lang="en-US" dirty="0" smtClean="0">
-                <a:hlinkClick r:id="rId3"/>
-              </a:rPr>
-              <a:t>github.com/physicell-training/master-list</a:t>
-            </a:r>
-            <a:r>
-              <a:rPr lang="en-US" dirty="0" smtClean="0"/>
+              <a:t>://github.com/physicell-training/master-list</a:t>
+            </a:r>
+            <a:r>
+              <a:rPr lang="en-US" dirty="0"/>
               <a:t> </a:t>
             </a:r>
-            <a:endParaRPr lang="en-US" dirty="0"/>
           </a:p>
         </p:txBody>
       </p:sp>
@@ -6378,10 +6332,9 @@
           <a:lstStyle/>
           <a:p>
             <a:r>
-              <a:rPr lang="en-US" dirty="0" smtClean="0"/>
+              <a:rPr lang="en-US" dirty="0"/>
               <a:t>Credits</a:t>
             </a:r>
-            <a:endParaRPr lang="en-US" dirty="0"/>
           </a:p>
         </p:txBody>
       </p:sp>

--- a/pptx_source/01-What-you-need.pptx
+++ b/pptx_source/01-What-you-need.pptx
@@ -274,7 +274,7 @@
               <a:pPr>
                 <a:defRPr/>
               </a:pPr>
-              <a:t>11/13/2019</a:t>
+              <a:t>11/24/2019</a:t>
             </a:fld>
             <a:endParaRPr lang="en-US" dirty="0"/>
           </a:p>
@@ -3374,7 +3374,7 @@
               </a14:hiddenLine>
             </a:ext>
             <a:ext uri="{FAA26D3D-D897-4be2-8F04-BA451C77F1D7}">
-              <ma14:placeholderFlag xmlns="" xmlns:ma14="http://schemas.microsoft.com/office/mac/drawingml/2011/main" val="1"/>
+              <ma14:placeholderFlag xmlns:ma14="http://schemas.microsoft.com/office/mac/drawingml/2011/main" xmlns="" val="1"/>
             </a:ext>
           </a:extLst>
         </p:spPr>
@@ -6368,8 +6368,12 @@
               </a:tabLst>
             </a:pPr>
             <a:r>
+              <a:rPr lang="en-US" b="1"/>
+              <a:t>Lesson </a:t>
+            </a:r>
+            <a:r>
               <a:rPr lang="en-US" b="1" dirty="0"/>
-              <a:t>Module Planning:</a:t>
+              <a:t>Planning:</a:t>
             </a:r>
             <a:r>
               <a:rPr lang="en-US" dirty="0"/>
